--- a/slides/GenAI.pptx
+++ b/slides/GenAI.pptx
@@ -5,7 +5,7 @@
     <p:sldMasterId id="2147483840" r:id="rId1"/>
   </p:sldMasterIdLst>
   <p:notesMasterIdLst>
-    <p:notesMasterId r:id="rId15"/>
+    <p:notesMasterId r:id="rId18"/>
   </p:notesMasterIdLst>
   <p:sldIdLst>
     <p:sldId id="256" r:id="rId2"/>
@@ -13,14 +13,17 @@
     <p:sldId id="258" r:id="rId4"/>
     <p:sldId id="259" r:id="rId5"/>
     <p:sldId id="260" r:id="rId6"/>
-    <p:sldId id="261" r:id="rId7"/>
-    <p:sldId id="262" r:id="rId8"/>
-    <p:sldId id="264" r:id="rId9"/>
-    <p:sldId id="268" r:id="rId10"/>
-    <p:sldId id="267" r:id="rId11"/>
-    <p:sldId id="269" r:id="rId12"/>
-    <p:sldId id="270" r:id="rId13"/>
-    <p:sldId id="271" r:id="rId14"/>
+    <p:sldId id="273" r:id="rId7"/>
+    <p:sldId id="261" r:id="rId8"/>
+    <p:sldId id="262" r:id="rId9"/>
+    <p:sldId id="264" r:id="rId10"/>
+    <p:sldId id="274" r:id="rId11"/>
+    <p:sldId id="268" r:id="rId12"/>
+    <p:sldId id="267" r:id="rId13"/>
+    <p:sldId id="269" r:id="rId14"/>
+    <p:sldId id="270" r:id="rId15"/>
+    <p:sldId id="272" r:id="rId16"/>
+    <p:sldId id="271" r:id="rId17"/>
   </p:sldIdLst>
   <p:sldSz cx="9144000" cy="6858000" type="screen4x3"/>
   <p:notesSz cx="6858000" cy="9144000"/>
@@ -220,7 +223,7 @@
           <a:p>
             <a:fld id="{D0EA42D5-46ED-425E-8FB5-CA0A29C7E1CB}" type="datetimeFigureOut">
               <a:rPr lang="en-US" smtClean="0"/>
-              <a:t>1/2/2024</a:t>
+              <a:t>1/16/2024</a:t>
             </a:fld>
             <a:endParaRPr lang="en-US"/>
           </a:p>
@@ -913,6 +916,91 @@
 </p:notes>
 </file>
 
+<file path=ppt/notesSlides/notesSlide6.xml><?xml version="1.0" encoding="utf-8"?>
+<p:notes xmlns:a="http://schemas.openxmlformats.org/drawingml/2006/main" xmlns:r="http://schemas.openxmlformats.org/officeDocument/2006/relationships" xmlns:p="http://schemas.openxmlformats.org/presentationml/2006/main">
+  <p:cSld>
+    <p:spTree>
+      <p:nvGrpSpPr>
+        <p:cNvPr id="1" name=""/>
+        <p:cNvGrpSpPr/>
+        <p:nvPr/>
+      </p:nvGrpSpPr>
+      <p:grpSpPr>
+        <a:xfrm>
+          <a:off x="0" y="0"/>
+          <a:ext cx="0" cy="0"/>
+          <a:chOff x="0" y="0"/>
+          <a:chExt cx="0" cy="0"/>
+        </a:xfrm>
+      </p:grpSpPr>
+      <p:sp>
+        <p:nvSpPr>
+          <p:cNvPr id="2" name="Slide Image Placeholder 1"/>
+          <p:cNvSpPr>
+            <a:spLocks noGrp="1" noRot="1" noChangeAspect="1"/>
+          </p:cNvSpPr>
+          <p:nvPr>
+            <p:ph type="sldImg"/>
+          </p:nvPr>
+        </p:nvSpPr>
+        <p:spPr/>
+      </p:sp>
+      <p:sp>
+        <p:nvSpPr>
+          <p:cNvPr id="3" name="Notes Placeholder 2"/>
+          <p:cNvSpPr>
+            <a:spLocks noGrp="1"/>
+          </p:cNvSpPr>
+          <p:nvPr>
+            <p:ph type="body" idx="1"/>
+          </p:nvPr>
+        </p:nvSpPr>
+        <p:spPr/>
+        <p:txBody>
+          <a:bodyPr/>
+          <a:lstStyle/>
+          <a:p>
+            <a:endParaRPr lang="en-US" dirty="0"/>
+          </a:p>
+        </p:txBody>
+      </p:sp>
+      <p:sp>
+        <p:nvSpPr>
+          <p:cNvPr id="4" name="Slide Number Placeholder 3"/>
+          <p:cNvSpPr>
+            <a:spLocks noGrp="1"/>
+          </p:cNvSpPr>
+          <p:nvPr>
+            <p:ph type="sldNum" sz="quarter" idx="10"/>
+          </p:nvPr>
+        </p:nvSpPr>
+        <p:spPr/>
+        <p:txBody>
+          <a:bodyPr/>
+          <a:lstStyle/>
+          <a:p>
+            <a:fld id="{CFC947A3-E2F4-9B43-B61C-6E4B48751614}" type="slidenum">
+              <a:rPr lang="en-US" smtClean="0"/>
+              <a:pPr/>
+              <a:t>6</a:t>
+            </a:fld>
+            <a:endParaRPr lang="en-US"/>
+          </a:p>
+        </p:txBody>
+      </p:sp>
+    </p:spTree>
+    <p:extLst>
+      <p:ext uri="{BB962C8B-B14F-4D97-AF65-F5344CB8AC3E}">
+        <p14:creationId xmlns:p14="http://schemas.microsoft.com/office/powerpoint/2010/main" val="3221900637"/>
+      </p:ext>
+    </p:extLst>
+  </p:cSld>
+  <p:clrMapOvr>
+    <a:masterClrMapping/>
+  </p:clrMapOvr>
+</p:notes>
+</file>
+
 <file path=ppt/slideLayouts/slideLayout1.xml><?xml version="1.0" encoding="utf-8"?>
 <p:sldLayout xmlns:a="http://schemas.openxmlformats.org/drawingml/2006/main" xmlns:r="http://schemas.openxmlformats.org/officeDocument/2006/relationships" xmlns:p="http://schemas.openxmlformats.org/presentationml/2006/main" type="title" preserve="1">
   <p:cSld name="Title Slide">
@@ -1101,7 +1189,7 @@
           <a:p>
             <a:fld id="{568F1BE0-2857-43BE-B44C-9821D9EE118C}" type="datetimeFigureOut">
               <a:rPr lang="en-US" smtClean="0"/>
-              <a:t>1/2/2024</a:t>
+              <a:t>1/16/2024</a:t>
             </a:fld>
             <a:endParaRPr lang="en-US"/>
           </a:p>
@@ -1301,7 +1389,7 @@
           <a:p>
             <a:fld id="{568F1BE0-2857-43BE-B44C-9821D9EE118C}" type="datetimeFigureOut">
               <a:rPr lang="en-US" smtClean="0"/>
-              <a:t>1/2/2024</a:t>
+              <a:t>1/16/2024</a:t>
             </a:fld>
             <a:endParaRPr lang="en-US"/>
           </a:p>
@@ -1476,7 +1564,7 @@
           <a:p>
             <a:fld id="{568F1BE0-2857-43BE-B44C-9821D9EE118C}" type="datetimeFigureOut">
               <a:rPr lang="en-US" smtClean="0"/>
-              <a:t>1/2/2024</a:t>
+              <a:t>1/16/2024</a:t>
             </a:fld>
             <a:endParaRPr lang="en-US"/>
           </a:p>
@@ -1641,7 +1729,7 @@
           <a:p>
             <a:fld id="{568F1BE0-2857-43BE-B44C-9821D9EE118C}" type="datetimeFigureOut">
               <a:rPr lang="en-US" smtClean="0"/>
-              <a:t>1/2/2024</a:t>
+              <a:t>1/16/2024</a:t>
             </a:fld>
             <a:endParaRPr lang="en-US"/>
           </a:p>
@@ -1889,7 +1977,7 @@
           <a:p>
             <a:fld id="{568F1BE0-2857-43BE-B44C-9821D9EE118C}" type="datetimeFigureOut">
               <a:rPr lang="en-US" smtClean="0"/>
-              <a:t>1/2/2024</a:t>
+              <a:t>1/16/2024</a:t>
             </a:fld>
             <a:endParaRPr lang="en-US"/>
           </a:p>
@@ -2207,7 +2295,7 @@
           <a:p>
             <a:fld id="{568F1BE0-2857-43BE-B44C-9821D9EE118C}" type="datetimeFigureOut">
               <a:rPr lang="en-US" smtClean="0"/>
-              <a:t>1/2/2024</a:t>
+              <a:t>1/16/2024</a:t>
             </a:fld>
             <a:endParaRPr lang="en-US"/>
           </a:p>
@@ -2673,7 +2761,7 @@
           <a:p>
             <a:fld id="{568F1BE0-2857-43BE-B44C-9821D9EE118C}" type="datetimeFigureOut">
               <a:rPr lang="en-US" smtClean="0"/>
-              <a:t>1/2/2024</a:t>
+              <a:t>1/16/2024</a:t>
             </a:fld>
             <a:endParaRPr lang="en-US"/>
           </a:p>
@@ -2821,7 +2909,7 @@
           <a:p>
             <a:fld id="{568F1BE0-2857-43BE-B44C-9821D9EE118C}" type="datetimeFigureOut">
               <a:rPr lang="en-US" smtClean="0"/>
-              <a:t>1/2/2024</a:t>
+              <a:t>1/16/2024</a:t>
             </a:fld>
             <a:endParaRPr lang="en-US"/>
           </a:p>
@@ -2911,7 +2999,7 @@
           <a:p>
             <a:fld id="{568F1BE0-2857-43BE-B44C-9821D9EE118C}" type="datetimeFigureOut">
               <a:rPr lang="en-US" smtClean="0"/>
-              <a:t>1/2/2024</a:t>
+              <a:t>1/16/2024</a:t>
             </a:fld>
             <a:endParaRPr lang="en-US"/>
           </a:p>
@@ -3185,7 +3273,7 @@
           <a:p>
             <a:fld id="{568F1BE0-2857-43BE-B44C-9821D9EE118C}" type="datetimeFigureOut">
               <a:rPr lang="en-US" smtClean="0"/>
-              <a:t>1/2/2024</a:t>
+              <a:t>1/16/2024</a:t>
             </a:fld>
             <a:endParaRPr lang="en-US"/>
           </a:p>
@@ -3490,7 +3578,7 @@
           <a:p>
             <a:fld id="{568F1BE0-2857-43BE-B44C-9821D9EE118C}" type="datetimeFigureOut">
               <a:rPr lang="en-US" smtClean="0"/>
-              <a:t>1/2/2024</a:t>
+              <a:t>1/16/2024</a:t>
             </a:fld>
             <a:endParaRPr lang="en-US"/>
           </a:p>
@@ -3788,7 +3876,7 @@
           <a:p>
             <a:fld id="{568F1BE0-2857-43BE-B44C-9821D9EE118C}" type="datetimeFigureOut">
               <a:rPr lang="en-US" smtClean="0"/>
-              <a:t>1/2/2024</a:t>
+              <a:t>1/16/2024</a:t>
             </a:fld>
             <a:endParaRPr lang="en-US"/>
           </a:p>
@@ -4592,6 +4680,1078 @@
           <a:lstStyle/>
           <a:p>
             <a:r>
+              <a:rPr lang="en-US" dirty="0" err="1"/>
+              <a:t>ChatGPT</a:t>
+            </a:r>
+            <a:r>
+              <a:rPr lang="en-US" dirty="0"/>
+              <a:t> – </a:t>
+            </a:r>
+            <a:r>
+              <a:rPr lang="en-US" dirty="0" smtClean="0"/>
+              <a:t>Prompt Engineering</a:t>
+            </a:r>
+            <a:endParaRPr lang="en-US" dirty="0"/>
+          </a:p>
+        </p:txBody>
+      </p:sp>
+      <p:sp>
+        <p:nvSpPr>
+          <p:cNvPr id="7" name="Content Placeholder 1"/>
+          <p:cNvSpPr txBox="1">
+            <a:spLocks/>
+          </p:cNvSpPr>
+          <p:nvPr/>
+        </p:nvSpPr>
+        <p:spPr>
+          <a:xfrm>
+            <a:off x="395536" y="1700808"/>
+            <a:ext cx="8640960" cy="4680520"/>
+          </a:xfrm>
+          <a:prstGeom prst="rect">
+            <a:avLst/>
+          </a:prstGeom>
+        </p:spPr>
+        <p:txBody>
+          <a:bodyPr/>
+          <a:lstStyle>
+            <a:lvl1pPr marL="342900" indent="-342900" algn="l" rtl="0" eaLnBrk="1" fontAlgn="base" hangingPunct="1">
+              <a:spcBef>
+                <a:spcPct val="20000"/>
+              </a:spcBef>
+              <a:spcAft>
+                <a:spcPct val="0"/>
+              </a:spcAft>
+              <a:defRPr sz="2800">
+                <a:solidFill>
+                  <a:schemeClr val="tx1"/>
+                </a:solidFill>
+                <a:latin typeface="Arial"/>
+                <a:ea typeface="+mn-ea"/>
+                <a:cs typeface="Arial"/>
+              </a:defRPr>
+            </a:lvl1pPr>
+            <a:lvl2pPr marL="742950" indent="-285750" algn="l" rtl="0" eaLnBrk="1" fontAlgn="base" hangingPunct="1">
+              <a:spcBef>
+                <a:spcPct val="20000"/>
+              </a:spcBef>
+              <a:spcAft>
+                <a:spcPct val="0"/>
+              </a:spcAft>
+              <a:buClr>
+                <a:srgbClr val="578CDA"/>
+              </a:buClr>
+              <a:buFont typeface="Times" charset="0"/>
+              <a:buChar char="•"/>
+              <a:defRPr sz="2600">
+                <a:solidFill>
+                  <a:schemeClr val="tx1"/>
+                </a:solidFill>
+                <a:latin typeface="Arial"/>
+                <a:ea typeface="+mn-ea"/>
+                <a:cs typeface="Arial"/>
+              </a:defRPr>
+            </a:lvl2pPr>
+            <a:lvl3pPr marL="1143000" indent="-228600" algn="l" rtl="0" eaLnBrk="1" fontAlgn="base" hangingPunct="1">
+              <a:spcBef>
+                <a:spcPct val="20000"/>
+              </a:spcBef>
+              <a:spcAft>
+                <a:spcPct val="0"/>
+              </a:spcAft>
+              <a:buClr>
+                <a:srgbClr val="578CDA"/>
+              </a:buClr>
+              <a:buFont typeface="Wingdings" charset="0"/>
+              <a:buChar char="§"/>
+              <a:defRPr sz="2400">
+                <a:solidFill>
+                  <a:schemeClr val="tx1"/>
+                </a:solidFill>
+                <a:latin typeface="Arial"/>
+                <a:ea typeface="+mn-ea"/>
+                <a:cs typeface="Arial"/>
+              </a:defRPr>
+            </a:lvl3pPr>
+            <a:lvl4pPr marL="1600200" indent="-228600" algn="l" rtl="0" eaLnBrk="1" fontAlgn="base" hangingPunct="1">
+              <a:spcBef>
+                <a:spcPct val="20000"/>
+              </a:spcBef>
+              <a:spcAft>
+                <a:spcPct val="0"/>
+              </a:spcAft>
+              <a:buClr>
+                <a:srgbClr val="578CDA"/>
+              </a:buClr>
+              <a:buChar char="–"/>
+              <a:defRPr sz="2000">
+                <a:solidFill>
+                  <a:schemeClr val="tx1"/>
+                </a:solidFill>
+                <a:latin typeface="Arial"/>
+                <a:ea typeface="+mn-ea"/>
+                <a:cs typeface="Arial"/>
+              </a:defRPr>
+            </a:lvl4pPr>
+            <a:lvl5pPr marL="2057400" indent="-228600" algn="l" rtl="0" eaLnBrk="1" fontAlgn="base" hangingPunct="1">
+              <a:spcBef>
+                <a:spcPct val="20000"/>
+              </a:spcBef>
+              <a:spcAft>
+                <a:spcPct val="0"/>
+              </a:spcAft>
+              <a:buClr>
+                <a:srgbClr val="578CDA"/>
+              </a:buClr>
+              <a:buChar char="»"/>
+              <a:defRPr sz="2000">
+                <a:solidFill>
+                  <a:schemeClr val="tx1"/>
+                </a:solidFill>
+                <a:latin typeface="Arial"/>
+                <a:ea typeface="+mn-ea"/>
+                <a:cs typeface="Arial"/>
+              </a:defRPr>
+            </a:lvl5pPr>
+            <a:lvl6pPr marL="2514600" indent="-228600" algn="l" rtl="0" eaLnBrk="1" fontAlgn="base" hangingPunct="1">
+              <a:spcBef>
+                <a:spcPct val="20000"/>
+              </a:spcBef>
+              <a:spcAft>
+                <a:spcPct val="0"/>
+              </a:spcAft>
+              <a:buClr>
+                <a:srgbClr val="578CDA"/>
+              </a:buClr>
+              <a:buChar char="»"/>
+              <a:defRPr sz="2000">
+                <a:solidFill>
+                  <a:schemeClr val="tx1"/>
+                </a:solidFill>
+                <a:latin typeface="+mn-lt"/>
+                <a:ea typeface="+mn-ea"/>
+              </a:defRPr>
+            </a:lvl6pPr>
+            <a:lvl7pPr marL="2971800" indent="-228600" algn="l" rtl="0" eaLnBrk="1" fontAlgn="base" hangingPunct="1">
+              <a:spcBef>
+                <a:spcPct val="20000"/>
+              </a:spcBef>
+              <a:spcAft>
+                <a:spcPct val="0"/>
+              </a:spcAft>
+              <a:buClr>
+                <a:srgbClr val="578CDA"/>
+              </a:buClr>
+              <a:buChar char="»"/>
+              <a:defRPr sz="2000">
+                <a:solidFill>
+                  <a:schemeClr val="tx1"/>
+                </a:solidFill>
+                <a:latin typeface="+mn-lt"/>
+                <a:ea typeface="+mn-ea"/>
+              </a:defRPr>
+            </a:lvl7pPr>
+            <a:lvl8pPr marL="3429000" indent="-228600" algn="l" rtl="0" eaLnBrk="1" fontAlgn="base" hangingPunct="1">
+              <a:spcBef>
+                <a:spcPct val="20000"/>
+              </a:spcBef>
+              <a:spcAft>
+                <a:spcPct val="0"/>
+              </a:spcAft>
+              <a:buClr>
+                <a:srgbClr val="578CDA"/>
+              </a:buClr>
+              <a:buChar char="»"/>
+              <a:defRPr sz="2000">
+                <a:solidFill>
+                  <a:schemeClr val="tx1"/>
+                </a:solidFill>
+                <a:latin typeface="+mn-lt"/>
+                <a:ea typeface="+mn-ea"/>
+              </a:defRPr>
+            </a:lvl8pPr>
+            <a:lvl9pPr marL="3886200" indent="-228600" algn="l" rtl="0" eaLnBrk="1" fontAlgn="base" hangingPunct="1">
+              <a:spcBef>
+                <a:spcPct val="20000"/>
+              </a:spcBef>
+              <a:spcAft>
+                <a:spcPct val="0"/>
+              </a:spcAft>
+              <a:buClr>
+                <a:srgbClr val="578CDA"/>
+              </a:buClr>
+              <a:buChar char="»"/>
+              <a:defRPr sz="2000">
+                <a:solidFill>
+                  <a:schemeClr val="tx1"/>
+                </a:solidFill>
+                <a:latin typeface="+mn-lt"/>
+                <a:ea typeface="+mn-ea"/>
+              </a:defRPr>
+            </a:lvl9pPr>
+          </a:lstStyle>
+          <a:p>
+            <a:pPr>
+              <a:buFont typeface="Arial" panose="020B0604020202020204" pitchFamily="34" charset="0"/>
+              <a:buChar char="•"/>
+            </a:pPr>
+            <a:endParaRPr lang="en-US" sz="1800" dirty="0"/>
+          </a:p>
+          <a:p>
+            <a:pPr lvl="1"/>
+            <a:endParaRPr lang="en-US" sz="1800" dirty="0"/>
+          </a:p>
+        </p:txBody>
+      </p:sp>
+      <p:pic>
+        <p:nvPicPr>
+          <p:cNvPr id="1026" name="Picture 2" descr="https://media.licdn.com/dms/image/D4E22AQHRyUtV50-HXw/feedshare-shrink_2048_1536/0/1696346370596?e=2147483647&amp;v=beta&amp;t=DYmfB1A5DOHohfObbl1LFI1MV3mOBDmLE6ZPgc_7EtU"/>
+          <p:cNvPicPr>
+            <a:picLocks noChangeAspect="1" noChangeArrowheads="1"/>
+          </p:cNvPicPr>
+          <p:nvPr/>
+        </p:nvPicPr>
+        <p:blipFill rotWithShape="1">
+          <a:blip r:embed="rId2">
+            <a:extLst>
+              <a:ext uri="{28A0092B-C50C-407E-A947-70E740481C1C}">
+                <a14:useLocalDpi xmlns:a14="http://schemas.microsoft.com/office/drawing/2010/main" val="0"/>
+              </a:ext>
+            </a:extLst>
+          </a:blip>
+          <a:srcRect r="1722"/>
+          <a:stretch/>
+        </p:blipFill>
+        <p:spPr bwMode="auto">
+          <a:xfrm>
+            <a:off x="1331640" y="2233785"/>
+            <a:ext cx="5616624" cy="2419351"/>
+          </a:xfrm>
+          <a:prstGeom prst="rect">
+            <a:avLst/>
+          </a:prstGeom>
+          <a:noFill/>
+          <a:extLst>
+            <a:ext uri="{909E8E84-426E-40DD-AFC4-6F175D3DCCD1}">
+              <a14:hiddenFill xmlns:a14="http://schemas.microsoft.com/office/drawing/2010/main">
+                <a:solidFill>
+                  <a:srgbClr val="FFFFFF"/>
+                </a:solidFill>
+              </a14:hiddenFill>
+            </a:ext>
+          </a:extLst>
+        </p:spPr>
+      </p:pic>
+      <p:sp>
+        <p:nvSpPr>
+          <p:cNvPr id="4" name="TextBox 3"/>
+          <p:cNvSpPr txBox="1"/>
+          <p:nvPr/>
+        </p:nvSpPr>
+        <p:spPr>
+          <a:xfrm>
+            <a:off x="1331640" y="1743199"/>
+            <a:ext cx="2238113" cy="461665"/>
+          </a:xfrm>
+          <a:prstGeom prst="rect">
+            <a:avLst/>
+          </a:prstGeom>
+          <a:noFill/>
+        </p:spPr>
+        <p:txBody>
+          <a:bodyPr wrap="none" rtlCol="0">
+            <a:spAutoFit/>
+          </a:bodyPr>
+          <a:lstStyle/>
+          <a:p>
+            <a:r>
+              <a:rPr lang="en-US" sz="2400" dirty="0" smtClean="0"/>
+              <a:t>I, Robot (2004)</a:t>
+            </a:r>
+            <a:endParaRPr lang="en-US" sz="2400" dirty="0"/>
+          </a:p>
+        </p:txBody>
+      </p:sp>
+      <p:sp>
+        <p:nvSpPr>
+          <p:cNvPr id="8" name="TextBox 7"/>
+          <p:cNvSpPr txBox="1"/>
+          <p:nvPr/>
+        </p:nvSpPr>
+        <p:spPr>
+          <a:xfrm>
+            <a:off x="1493912" y="5097958"/>
+            <a:ext cx="5832648" cy="923330"/>
+          </a:xfrm>
+          <a:prstGeom prst="rect">
+            <a:avLst/>
+          </a:prstGeom>
+          <a:noFill/>
+        </p:spPr>
+        <p:txBody>
+          <a:bodyPr wrap="square" rtlCol="0">
+            <a:spAutoFit/>
+          </a:bodyPr>
+          <a:lstStyle/>
+          <a:p>
+            <a:r>
+              <a:rPr lang="en-US" b="1" dirty="0"/>
+              <a:t>Prompt </a:t>
+            </a:r>
+            <a:r>
+              <a:rPr lang="en-US" b="1" dirty="0" smtClean="0"/>
+              <a:t>Engineering: </a:t>
+            </a:r>
+            <a:r>
+              <a:rPr lang="en-US" dirty="0" smtClean="0"/>
+              <a:t>crafting </a:t>
+            </a:r>
+            <a:r>
+              <a:rPr lang="en-US" dirty="0"/>
+              <a:t>and refining prompts </a:t>
+            </a:r>
+            <a:r>
+              <a:rPr lang="en-US" dirty="0" smtClean="0"/>
+              <a:t>(questions) to </a:t>
+            </a:r>
+            <a:r>
+              <a:rPr lang="en-US" dirty="0"/>
+              <a:t>generate </a:t>
+            </a:r>
+            <a:r>
+              <a:rPr lang="en-US" b="1" dirty="0">
+                <a:solidFill>
+                  <a:srgbClr val="0070C0"/>
+                </a:solidFill>
+              </a:rPr>
+              <a:t>desired responses </a:t>
+            </a:r>
+            <a:r>
+              <a:rPr lang="en-US" dirty="0"/>
+              <a:t>from language models</a:t>
+            </a:r>
+            <a:endParaRPr lang="en-US" dirty="0"/>
+          </a:p>
+        </p:txBody>
+      </p:sp>
+    </p:spTree>
+    <p:extLst>
+      <p:ext uri="{BB962C8B-B14F-4D97-AF65-F5344CB8AC3E}">
+        <p14:creationId xmlns:p14="http://schemas.microsoft.com/office/powerpoint/2010/main" val="2235784481"/>
+      </p:ext>
+    </p:extLst>
+  </p:cSld>
+  <p:clrMapOvr>
+    <a:masterClrMapping/>
+  </p:clrMapOvr>
+  <p:timing>
+    <p:tnLst>
+      <p:par>
+        <p:cTn id="1" dur="indefinite" restart="never" nodeType="tmRoot"/>
+      </p:par>
+    </p:tnLst>
+  </p:timing>
+</p:sld>
+</file>
+
+<file path=ppt/slides/slide11.xml><?xml version="1.0" encoding="utf-8"?>
+<p:sld xmlns:a="http://schemas.openxmlformats.org/drawingml/2006/main" xmlns:r="http://schemas.openxmlformats.org/officeDocument/2006/relationships" xmlns:p="http://schemas.openxmlformats.org/presentationml/2006/main">
+  <p:cSld>
+    <p:spTree>
+      <p:nvGrpSpPr>
+        <p:cNvPr id="1" name=""/>
+        <p:cNvGrpSpPr/>
+        <p:nvPr/>
+      </p:nvGrpSpPr>
+      <p:grpSpPr>
+        <a:xfrm>
+          <a:off x="0" y="0"/>
+          <a:ext cx="0" cy="0"/>
+          <a:chOff x="0" y="0"/>
+          <a:chExt cx="0" cy="0"/>
+        </a:xfrm>
+      </p:grpSpPr>
+      <p:sp>
+        <p:nvSpPr>
+          <p:cNvPr id="5" name="Slide Number Placeholder 4"/>
+          <p:cNvSpPr>
+            <a:spLocks noGrp="1"/>
+          </p:cNvSpPr>
+          <p:nvPr>
+            <p:ph type="sldNum" sz="quarter" idx="4294967295"/>
+          </p:nvPr>
+        </p:nvSpPr>
+        <p:spPr>
+          <a:xfrm>
+            <a:off x="8628956" y="6525344"/>
+            <a:ext cx="504056" cy="360040"/>
+          </a:xfrm>
+          <a:prstGeom prst="rect">
+            <a:avLst/>
+          </a:prstGeom>
+        </p:spPr>
+        <p:txBody>
+          <a:bodyPr/>
+          <a:lstStyle>
+            <a:lvl1pPr>
+              <a:defRPr>
+                <a:solidFill>
+                  <a:srgbClr val="152E82"/>
+                </a:solidFill>
+              </a:defRPr>
+            </a:lvl1pPr>
+          </a:lstStyle>
+          <a:p>
+            <a:fld id="{5DD0A2D2-7EFB-5840-AF99-D605BC1B2F97}" type="slidenum">
+              <a:rPr lang="en-US" smtClean="0"/>
+              <a:pPr/>
+              <a:t>11</a:t>
+            </a:fld>
+            <a:endParaRPr lang="en-US" sz="1400" dirty="0">
+              <a:latin typeface="Arial" charset="0"/>
+            </a:endParaRPr>
+          </a:p>
+        </p:txBody>
+      </p:sp>
+      <p:sp>
+        <p:nvSpPr>
+          <p:cNvPr id="3" name="Title 2"/>
+          <p:cNvSpPr>
+            <a:spLocks noGrp="1"/>
+          </p:cNvSpPr>
+          <p:nvPr>
+            <p:ph type="title" idx="4294967295"/>
+          </p:nvPr>
+        </p:nvSpPr>
+        <p:spPr>
+          <a:xfrm>
+            <a:off x="0" y="620713"/>
+            <a:ext cx="8820472" cy="1000125"/>
+          </a:xfrm>
+        </p:spPr>
+        <p:txBody>
+          <a:bodyPr/>
+          <a:lstStyle/>
+          <a:p>
+            <a:r>
+              <a:rPr lang="en-US" dirty="0" smtClean="0"/>
+              <a:t>Domain Specific LLMs</a:t>
+            </a:r>
+            <a:endParaRPr lang="en-US" dirty="0"/>
+          </a:p>
+        </p:txBody>
+      </p:sp>
+      <p:sp>
+        <p:nvSpPr>
+          <p:cNvPr id="7" name="Content Placeholder 1"/>
+          <p:cNvSpPr txBox="1">
+            <a:spLocks/>
+          </p:cNvSpPr>
+          <p:nvPr/>
+        </p:nvSpPr>
+        <p:spPr>
+          <a:xfrm>
+            <a:off x="395536" y="1700808"/>
+            <a:ext cx="8640960" cy="4680520"/>
+          </a:xfrm>
+          <a:prstGeom prst="rect">
+            <a:avLst/>
+          </a:prstGeom>
+        </p:spPr>
+        <p:txBody>
+          <a:bodyPr/>
+          <a:lstStyle>
+            <a:lvl1pPr marL="342900" indent="-342900" algn="l" rtl="0" eaLnBrk="1" fontAlgn="base" hangingPunct="1">
+              <a:spcBef>
+                <a:spcPct val="20000"/>
+              </a:spcBef>
+              <a:spcAft>
+                <a:spcPct val="0"/>
+              </a:spcAft>
+              <a:defRPr sz="2800">
+                <a:solidFill>
+                  <a:schemeClr val="tx1"/>
+                </a:solidFill>
+                <a:latin typeface="Arial"/>
+                <a:ea typeface="+mn-ea"/>
+                <a:cs typeface="Arial"/>
+              </a:defRPr>
+            </a:lvl1pPr>
+            <a:lvl2pPr marL="742950" indent="-285750" algn="l" rtl="0" eaLnBrk="1" fontAlgn="base" hangingPunct="1">
+              <a:spcBef>
+                <a:spcPct val="20000"/>
+              </a:spcBef>
+              <a:spcAft>
+                <a:spcPct val="0"/>
+              </a:spcAft>
+              <a:buClr>
+                <a:srgbClr val="578CDA"/>
+              </a:buClr>
+              <a:buFont typeface="Times" charset="0"/>
+              <a:buChar char="•"/>
+              <a:defRPr sz="2600">
+                <a:solidFill>
+                  <a:schemeClr val="tx1"/>
+                </a:solidFill>
+                <a:latin typeface="Arial"/>
+                <a:ea typeface="+mn-ea"/>
+                <a:cs typeface="Arial"/>
+              </a:defRPr>
+            </a:lvl2pPr>
+            <a:lvl3pPr marL="1143000" indent="-228600" algn="l" rtl="0" eaLnBrk="1" fontAlgn="base" hangingPunct="1">
+              <a:spcBef>
+                <a:spcPct val="20000"/>
+              </a:spcBef>
+              <a:spcAft>
+                <a:spcPct val="0"/>
+              </a:spcAft>
+              <a:buClr>
+                <a:srgbClr val="578CDA"/>
+              </a:buClr>
+              <a:buFont typeface="Wingdings" charset="0"/>
+              <a:buChar char="§"/>
+              <a:defRPr sz="2400">
+                <a:solidFill>
+                  <a:schemeClr val="tx1"/>
+                </a:solidFill>
+                <a:latin typeface="Arial"/>
+                <a:ea typeface="+mn-ea"/>
+                <a:cs typeface="Arial"/>
+              </a:defRPr>
+            </a:lvl3pPr>
+            <a:lvl4pPr marL="1600200" indent="-228600" algn="l" rtl="0" eaLnBrk="1" fontAlgn="base" hangingPunct="1">
+              <a:spcBef>
+                <a:spcPct val="20000"/>
+              </a:spcBef>
+              <a:spcAft>
+                <a:spcPct val="0"/>
+              </a:spcAft>
+              <a:buClr>
+                <a:srgbClr val="578CDA"/>
+              </a:buClr>
+              <a:buChar char="–"/>
+              <a:defRPr sz="2000">
+                <a:solidFill>
+                  <a:schemeClr val="tx1"/>
+                </a:solidFill>
+                <a:latin typeface="Arial"/>
+                <a:ea typeface="+mn-ea"/>
+                <a:cs typeface="Arial"/>
+              </a:defRPr>
+            </a:lvl4pPr>
+            <a:lvl5pPr marL="2057400" indent="-228600" algn="l" rtl="0" eaLnBrk="1" fontAlgn="base" hangingPunct="1">
+              <a:spcBef>
+                <a:spcPct val="20000"/>
+              </a:spcBef>
+              <a:spcAft>
+                <a:spcPct val="0"/>
+              </a:spcAft>
+              <a:buClr>
+                <a:srgbClr val="578CDA"/>
+              </a:buClr>
+              <a:buChar char="»"/>
+              <a:defRPr sz="2000">
+                <a:solidFill>
+                  <a:schemeClr val="tx1"/>
+                </a:solidFill>
+                <a:latin typeface="Arial"/>
+                <a:ea typeface="+mn-ea"/>
+                <a:cs typeface="Arial"/>
+              </a:defRPr>
+            </a:lvl5pPr>
+            <a:lvl6pPr marL="2514600" indent="-228600" algn="l" rtl="0" eaLnBrk="1" fontAlgn="base" hangingPunct="1">
+              <a:spcBef>
+                <a:spcPct val="20000"/>
+              </a:spcBef>
+              <a:spcAft>
+                <a:spcPct val="0"/>
+              </a:spcAft>
+              <a:buClr>
+                <a:srgbClr val="578CDA"/>
+              </a:buClr>
+              <a:buChar char="»"/>
+              <a:defRPr sz="2000">
+                <a:solidFill>
+                  <a:schemeClr val="tx1"/>
+                </a:solidFill>
+                <a:latin typeface="+mn-lt"/>
+                <a:ea typeface="+mn-ea"/>
+              </a:defRPr>
+            </a:lvl6pPr>
+            <a:lvl7pPr marL="2971800" indent="-228600" algn="l" rtl="0" eaLnBrk="1" fontAlgn="base" hangingPunct="1">
+              <a:spcBef>
+                <a:spcPct val="20000"/>
+              </a:spcBef>
+              <a:spcAft>
+                <a:spcPct val="0"/>
+              </a:spcAft>
+              <a:buClr>
+                <a:srgbClr val="578CDA"/>
+              </a:buClr>
+              <a:buChar char="»"/>
+              <a:defRPr sz="2000">
+                <a:solidFill>
+                  <a:schemeClr val="tx1"/>
+                </a:solidFill>
+                <a:latin typeface="+mn-lt"/>
+                <a:ea typeface="+mn-ea"/>
+              </a:defRPr>
+            </a:lvl7pPr>
+            <a:lvl8pPr marL="3429000" indent="-228600" algn="l" rtl="0" eaLnBrk="1" fontAlgn="base" hangingPunct="1">
+              <a:spcBef>
+                <a:spcPct val="20000"/>
+              </a:spcBef>
+              <a:spcAft>
+                <a:spcPct val="0"/>
+              </a:spcAft>
+              <a:buClr>
+                <a:srgbClr val="578CDA"/>
+              </a:buClr>
+              <a:buChar char="»"/>
+              <a:defRPr sz="2000">
+                <a:solidFill>
+                  <a:schemeClr val="tx1"/>
+                </a:solidFill>
+                <a:latin typeface="+mn-lt"/>
+                <a:ea typeface="+mn-ea"/>
+              </a:defRPr>
+            </a:lvl8pPr>
+            <a:lvl9pPr marL="3886200" indent="-228600" algn="l" rtl="0" eaLnBrk="1" fontAlgn="base" hangingPunct="1">
+              <a:spcBef>
+                <a:spcPct val="20000"/>
+              </a:spcBef>
+              <a:spcAft>
+                <a:spcPct val="0"/>
+              </a:spcAft>
+              <a:buClr>
+                <a:srgbClr val="578CDA"/>
+              </a:buClr>
+              <a:buChar char="»"/>
+              <a:defRPr sz="2000">
+                <a:solidFill>
+                  <a:schemeClr val="tx1"/>
+                </a:solidFill>
+                <a:latin typeface="+mn-lt"/>
+                <a:ea typeface="+mn-ea"/>
+              </a:defRPr>
+            </a:lvl9pPr>
+          </a:lstStyle>
+          <a:p>
+            <a:pPr>
+              <a:buFont typeface="Arial" panose="020B0604020202020204" pitchFamily="34" charset="0"/>
+              <a:buChar char="•"/>
+            </a:pPr>
+            <a:endParaRPr lang="en-US" sz="1800" dirty="0"/>
+          </a:p>
+          <a:p>
+            <a:pPr lvl="1"/>
+            <a:endParaRPr lang="en-US" sz="1800" dirty="0"/>
+          </a:p>
+        </p:txBody>
+      </p:sp>
+      <p:sp>
+        <p:nvSpPr>
+          <p:cNvPr id="2" name="TextBox 1"/>
+          <p:cNvSpPr txBox="1"/>
+          <p:nvPr/>
+        </p:nvSpPr>
+        <p:spPr>
+          <a:xfrm>
+            <a:off x="1615990" y="4509120"/>
+            <a:ext cx="4903907" cy="461665"/>
+          </a:xfrm>
+          <a:prstGeom prst="rect">
+            <a:avLst/>
+          </a:prstGeom>
+          <a:noFill/>
+        </p:spPr>
+        <p:txBody>
+          <a:bodyPr wrap="none" rtlCol="0">
+            <a:spAutoFit/>
+          </a:bodyPr>
+          <a:lstStyle/>
+          <a:p>
+            <a:r>
+              <a:rPr lang="zh-TW" altLang="en-US" dirty="0">
+                <a:solidFill>
+                  <a:schemeClr val="bg1"/>
+                </a:solidFill>
+              </a:rPr>
+              <a:t>爭咩呀，溝埋黎做懶尿牛丸呀，笨！</a:t>
+            </a:r>
+            <a:endParaRPr lang="en-US" dirty="0">
+              <a:solidFill>
+                <a:schemeClr val="bg1"/>
+              </a:solidFill>
+            </a:endParaRPr>
+          </a:p>
+        </p:txBody>
+      </p:sp>
+      <p:sp>
+        <p:nvSpPr>
+          <p:cNvPr id="8" name="TextBox 7"/>
+          <p:cNvSpPr txBox="1"/>
+          <p:nvPr/>
+        </p:nvSpPr>
+        <p:spPr>
+          <a:xfrm>
+            <a:off x="395536" y="1858469"/>
+            <a:ext cx="7272808" cy="5078313"/>
+          </a:xfrm>
+          <a:prstGeom prst="rect">
+            <a:avLst/>
+          </a:prstGeom>
+          <a:noFill/>
+        </p:spPr>
+        <p:txBody>
+          <a:bodyPr wrap="square" rtlCol="0">
+            <a:spAutoFit/>
+          </a:bodyPr>
+          <a:lstStyle/>
+          <a:p>
+            <a:pPr marL="285750" indent="-285750">
+              <a:buFont typeface="Arial" panose="020B0604020202020204" pitchFamily="34" charset="0"/>
+              <a:buChar char="•"/>
+            </a:pPr>
+            <a:r>
+              <a:rPr lang="en-US" b="1" dirty="0" err="1" smtClean="0"/>
+              <a:t>BloombergGPT</a:t>
+            </a:r>
+            <a:endParaRPr lang="en-US" dirty="0" smtClean="0"/>
+          </a:p>
+          <a:p>
+            <a:pPr marL="742950" lvl="1" indent="-285750">
+              <a:buFont typeface="Arial" panose="020B0604020202020204" pitchFamily="34" charset="0"/>
+              <a:buChar char="•"/>
+            </a:pPr>
+            <a:r>
+              <a:rPr lang="en-US" dirty="0" smtClean="0"/>
+              <a:t>pre-trained with </a:t>
+            </a:r>
+            <a:r>
+              <a:rPr lang="en-US" b="1" dirty="0" smtClean="0">
+                <a:solidFill>
+                  <a:srgbClr val="0070C0"/>
+                </a:solidFill>
+              </a:rPr>
+              <a:t>363 billion </a:t>
+            </a:r>
+            <a:r>
+              <a:rPr lang="en-US" dirty="0" smtClean="0"/>
+              <a:t>text tokens from BBG data source</a:t>
+            </a:r>
+          </a:p>
+          <a:p>
+            <a:pPr marL="742950" lvl="1" indent="-285750">
+              <a:buFont typeface="Arial" panose="020B0604020202020204" pitchFamily="34" charset="0"/>
+              <a:buChar char="•"/>
+            </a:pPr>
+            <a:r>
+              <a:rPr lang="en-US" b="1" dirty="0">
+                <a:solidFill>
+                  <a:srgbClr val="0070C0"/>
+                </a:solidFill>
+              </a:rPr>
+              <a:t>53 days </a:t>
+            </a:r>
+            <a:r>
+              <a:rPr lang="en-US" dirty="0" smtClean="0"/>
+              <a:t>with </a:t>
+            </a:r>
+            <a:r>
+              <a:rPr lang="en-US" b="1" dirty="0">
+                <a:solidFill>
+                  <a:srgbClr val="0070C0"/>
+                </a:solidFill>
+              </a:rPr>
+              <a:t>64 x 8 nVidia-A100 GPUs </a:t>
+            </a:r>
+            <a:r>
+              <a:rPr lang="en-US" dirty="0"/>
+              <a:t>on</a:t>
+            </a:r>
+            <a:r>
+              <a:rPr lang="en-US" b="1" dirty="0" smtClean="0">
+                <a:solidFill>
+                  <a:srgbClr val="0070C0"/>
+                </a:solidFill>
+              </a:rPr>
+              <a:t> AWS cloud</a:t>
+            </a:r>
+            <a:endParaRPr lang="en-US" b="1" dirty="0">
+              <a:solidFill>
+                <a:srgbClr val="0070C0"/>
+              </a:solidFill>
+            </a:endParaRPr>
+          </a:p>
+          <a:p>
+            <a:pPr marL="742950" lvl="1" indent="-285750">
+              <a:buFont typeface="Arial" panose="020B0604020202020204" pitchFamily="34" charset="0"/>
+              <a:buChar char="•"/>
+            </a:pPr>
+            <a:r>
+              <a:rPr lang="en-US" dirty="0" smtClean="0"/>
+              <a:t>Cost </a:t>
+            </a:r>
+            <a:r>
+              <a:rPr lang="en-US" dirty="0"/>
+              <a:t>of around </a:t>
+            </a:r>
+            <a:r>
+              <a:rPr lang="en-US" b="1" dirty="0">
+                <a:solidFill>
+                  <a:srgbClr val="0070C0"/>
+                </a:solidFill>
+              </a:rPr>
+              <a:t>US$ 3M</a:t>
+            </a:r>
+          </a:p>
+          <a:p>
+            <a:pPr marL="285750" indent="-285750">
+              <a:buFont typeface="Arial" panose="020B0604020202020204" pitchFamily="34" charset="0"/>
+              <a:buChar char="•"/>
+            </a:pPr>
+            <a:endParaRPr lang="en-US" dirty="0" smtClean="0"/>
+          </a:p>
+          <a:p>
+            <a:pPr marL="285750" indent="-285750">
+              <a:buFont typeface="Arial" panose="020B0604020202020204" pitchFamily="34" charset="0"/>
+              <a:buChar char="•"/>
+            </a:pPr>
+            <a:endParaRPr lang="en-US" dirty="0" smtClean="0"/>
+          </a:p>
+          <a:p>
+            <a:pPr marL="285750" indent="-285750">
+              <a:buFont typeface="Arial" panose="020B0604020202020204" pitchFamily="34" charset="0"/>
+              <a:buChar char="•"/>
+            </a:pPr>
+            <a:r>
+              <a:rPr lang="en-US" b="1" dirty="0" err="1" smtClean="0"/>
+              <a:t>FinGPT</a:t>
+            </a:r>
+            <a:endParaRPr lang="en-US" b="1" dirty="0"/>
+          </a:p>
+          <a:p>
+            <a:pPr marL="742950" lvl="1" indent="-285750">
+              <a:buFont typeface="Arial" panose="020B0604020202020204" pitchFamily="34" charset="0"/>
+              <a:buChar char="•"/>
+            </a:pPr>
+            <a:r>
+              <a:rPr lang="en-US" dirty="0" smtClean="0"/>
+              <a:t>based on open source LLMs (e.g. LLaMA-2)</a:t>
+            </a:r>
+          </a:p>
+          <a:p>
+            <a:pPr marL="742950" lvl="1" indent="-285750">
+              <a:buFont typeface="Arial" panose="020B0604020202020204" pitchFamily="34" charset="0"/>
+              <a:buChar char="•"/>
+            </a:pPr>
+            <a:r>
+              <a:rPr lang="en-US" dirty="0" smtClean="0"/>
+              <a:t>instruction fine-tuned by Financial related data</a:t>
+            </a:r>
+          </a:p>
+          <a:p>
+            <a:pPr marL="742950" lvl="1" indent="-285750">
+              <a:buFont typeface="Arial" panose="020B0604020202020204" pitchFamily="34" charset="0"/>
+              <a:buChar char="•"/>
+            </a:pPr>
+            <a:r>
+              <a:rPr lang="en-US" dirty="0" err="1" smtClean="0">
+                <a:hlinkClick r:id="rId2"/>
+              </a:rPr>
+              <a:t>FinGPT</a:t>
+            </a:r>
+            <a:r>
+              <a:rPr lang="en-US" dirty="0" smtClean="0">
+                <a:hlinkClick r:id="rId2"/>
+              </a:rPr>
+              <a:t>-Forecaster</a:t>
+            </a:r>
+            <a:r>
+              <a:rPr lang="en-US" dirty="0" smtClean="0"/>
+              <a:t> Demo </a:t>
+            </a:r>
+          </a:p>
+          <a:p>
+            <a:pPr marL="285750" indent="-285750">
+              <a:buFont typeface="Arial" panose="020B0604020202020204" pitchFamily="34" charset="0"/>
+              <a:buChar char="•"/>
+            </a:pPr>
+            <a:endParaRPr lang="en-US" dirty="0" smtClean="0"/>
+          </a:p>
+          <a:p>
+            <a:pPr marL="285750" indent="-285750">
+              <a:buFont typeface="Arial" panose="020B0604020202020204" pitchFamily="34" charset="0"/>
+              <a:buChar char="•"/>
+            </a:pPr>
+            <a:endParaRPr lang="en-US" dirty="0" smtClean="0"/>
+          </a:p>
+          <a:p>
+            <a:pPr marL="285750" indent="-285750">
+              <a:buFont typeface="Arial" panose="020B0604020202020204" pitchFamily="34" charset="0"/>
+              <a:buChar char="•"/>
+            </a:pPr>
+            <a:r>
+              <a:rPr lang="en-US" b="1" dirty="0" err="1" smtClean="0"/>
+              <a:t>InvestLM</a:t>
+            </a:r>
+            <a:r>
+              <a:rPr lang="en-US" b="1" dirty="0" smtClean="0"/>
+              <a:t> from HKUST </a:t>
+            </a:r>
+          </a:p>
+          <a:p>
+            <a:pPr marL="742950" lvl="1" indent="-285750">
+              <a:buFont typeface="Arial" panose="020B0604020202020204" pitchFamily="34" charset="0"/>
+              <a:buChar char="•"/>
+            </a:pPr>
+            <a:r>
+              <a:rPr lang="en-US" dirty="0"/>
+              <a:t>based on open source LLMs </a:t>
+            </a:r>
+            <a:r>
+              <a:rPr lang="en-US" dirty="0" smtClean="0"/>
+              <a:t>(LLaMA-65B)</a:t>
+            </a:r>
+          </a:p>
+          <a:p>
+            <a:pPr marL="742950" lvl="1" indent="-285750">
+              <a:buFont typeface="Arial" panose="020B0604020202020204" pitchFamily="34" charset="0"/>
+              <a:buChar char="•"/>
+            </a:pPr>
+            <a:r>
+              <a:rPr lang="en-US" dirty="0"/>
+              <a:t>instruction fine-tuned dataset </a:t>
+            </a:r>
+            <a:r>
+              <a:rPr lang="en-US" dirty="0" smtClean="0"/>
+              <a:t>related to financial </a:t>
+            </a:r>
+            <a:r>
+              <a:rPr lang="en-US" dirty="0"/>
+              <a:t>investment</a:t>
+            </a:r>
+          </a:p>
+          <a:p>
+            <a:pPr marL="742950" lvl="1" indent="-285750">
+              <a:buFont typeface="Arial" panose="020B0604020202020204" pitchFamily="34" charset="0"/>
+              <a:buChar char="•"/>
+            </a:pPr>
+            <a:endParaRPr lang="en-US" dirty="0"/>
+          </a:p>
+          <a:p>
+            <a:pPr marL="742950" lvl="1" indent="-285750">
+              <a:buFont typeface="Arial" panose="020B0604020202020204" pitchFamily="34" charset="0"/>
+              <a:buChar char="•"/>
+            </a:pPr>
+            <a:endParaRPr lang="en-US" dirty="0" smtClean="0"/>
+          </a:p>
+          <a:p>
+            <a:endParaRPr lang="en-US" dirty="0"/>
+          </a:p>
+        </p:txBody>
+      </p:sp>
+    </p:spTree>
+    <p:extLst>
+      <p:ext uri="{BB962C8B-B14F-4D97-AF65-F5344CB8AC3E}">
+        <p14:creationId xmlns:p14="http://schemas.microsoft.com/office/powerpoint/2010/main" val="1365017632"/>
+      </p:ext>
+    </p:extLst>
+  </p:cSld>
+  <p:clrMapOvr>
+    <a:masterClrMapping/>
+  </p:clrMapOvr>
+  <p:timing>
+    <p:tnLst>
+      <p:par>
+        <p:cTn id="1" dur="indefinite" restart="never" nodeType="tmRoot"/>
+      </p:par>
+    </p:tnLst>
+  </p:timing>
+</p:sld>
+</file>
+
+<file path=ppt/slides/slide12.xml><?xml version="1.0" encoding="utf-8"?>
+<p:sld xmlns:a="http://schemas.openxmlformats.org/drawingml/2006/main" xmlns:r="http://schemas.openxmlformats.org/officeDocument/2006/relationships" xmlns:p="http://schemas.openxmlformats.org/presentationml/2006/main">
+  <p:cSld>
+    <p:spTree>
+      <p:nvGrpSpPr>
+        <p:cNvPr id="1" name=""/>
+        <p:cNvGrpSpPr/>
+        <p:nvPr/>
+      </p:nvGrpSpPr>
+      <p:grpSpPr>
+        <a:xfrm>
+          <a:off x="0" y="0"/>
+          <a:ext cx="0" cy="0"/>
+          <a:chOff x="0" y="0"/>
+          <a:chExt cx="0" cy="0"/>
+        </a:xfrm>
+      </p:grpSpPr>
+      <p:sp>
+        <p:nvSpPr>
+          <p:cNvPr id="5" name="Slide Number Placeholder 4"/>
+          <p:cNvSpPr>
+            <a:spLocks noGrp="1"/>
+          </p:cNvSpPr>
+          <p:nvPr>
+            <p:ph type="sldNum" sz="quarter" idx="4294967295"/>
+          </p:nvPr>
+        </p:nvSpPr>
+        <p:spPr>
+          <a:xfrm>
+            <a:off x="8628956" y="6525344"/>
+            <a:ext cx="504056" cy="360040"/>
+          </a:xfrm>
+          <a:prstGeom prst="rect">
+            <a:avLst/>
+          </a:prstGeom>
+        </p:spPr>
+        <p:txBody>
+          <a:bodyPr/>
+          <a:lstStyle>
+            <a:lvl1pPr>
+              <a:defRPr>
+                <a:solidFill>
+                  <a:srgbClr val="152E82"/>
+                </a:solidFill>
+              </a:defRPr>
+            </a:lvl1pPr>
+          </a:lstStyle>
+          <a:p>
+            <a:fld id="{5DD0A2D2-7EFB-5840-AF99-D605BC1B2F97}" type="slidenum">
+              <a:rPr lang="en-US" smtClean="0"/>
+              <a:pPr/>
+              <a:t>12</a:t>
+            </a:fld>
+            <a:endParaRPr lang="en-US" sz="1400" dirty="0">
+              <a:latin typeface="Arial" charset="0"/>
+            </a:endParaRPr>
+          </a:p>
+        </p:txBody>
+      </p:sp>
+      <p:sp>
+        <p:nvSpPr>
+          <p:cNvPr id="3" name="Title 2"/>
+          <p:cNvSpPr>
+            <a:spLocks noGrp="1"/>
+          </p:cNvSpPr>
+          <p:nvPr>
+            <p:ph type="title" idx="4294967295"/>
+          </p:nvPr>
+        </p:nvSpPr>
+        <p:spPr>
+          <a:xfrm>
+            <a:off x="0" y="620713"/>
+            <a:ext cx="8820472" cy="1000125"/>
+          </a:xfrm>
+        </p:spPr>
+        <p:txBody>
+          <a:bodyPr/>
+          <a:lstStyle/>
+          <a:p>
+            <a:r>
               <a:rPr lang="en-US" dirty="0" smtClean="0"/>
               <a:t>Retrieval Augmented Generation</a:t>
             </a:r>
@@ -4906,7 +6066,7 @@
 </p:sld>
 </file>
 
-<file path=ppt/slides/slide11.xml><?xml version="1.0" encoding="utf-8"?>
+<file path=ppt/slides/slide13.xml><?xml version="1.0" encoding="utf-8"?>
 <p:sld xmlns:a="http://schemas.openxmlformats.org/drawingml/2006/main" xmlns:r="http://schemas.openxmlformats.org/officeDocument/2006/relationships" xmlns:p="http://schemas.openxmlformats.org/presentationml/2006/main">
   <p:cSld>
     <p:spTree>
@@ -4998,7 +6158,7 @@
             <a:fld id="{5DD0A2D2-7EFB-5840-AF99-D605BC1B2F97}" type="slidenum">
               <a:rPr lang="en-US" smtClean="0"/>
               <a:pPr/>
-              <a:t>11</a:t>
+              <a:t>13</a:t>
             </a:fld>
             <a:endParaRPr lang="en-US" sz="1400" dirty="0">
               <a:latin typeface="Arial" charset="0"/>
@@ -5323,7 +6483,7 @@
 </p:sld>
 </file>
 
-<file path=ppt/slides/slide12.xml><?xml version="1.0" encoding="utf-8"?>
+<file path=ppt/slides/slide14.xml><?xml version="1.0" encoding="utf-8"?>
 <p:sld xmlns:a="http://schemas.openxmlformats.org/drawingml/2006/main" xmlns:r="http://schemas.openxmlformats.org/officeDocument/2006/relationships" xmlns:p="http://schemas.openxmlformats.org/presentationml/2006/main">
   <p:cSld>
     <p:spTree>
@@ -5374,7 +6534,7 @@
             <a:fld id="{5DD0A2D2-7EFB-5840-AF99-D605BC1B2F97}" type="slidenum">
               <a:rPr lang="en-US" smtClean="0"/>
               <a:pPr/>
-              <a:t>12</a:t>
+              <a:t>14</a:t>
             </a:fld>
             <a:endParaRPr lang="en-US" sz="1400" dirty="0">
               <a:latin typeface="Arial" charset="0"/>
@@ -5404,11 +6564,7 @@
           <a:p>
             <a:r>
               <a:rPr lang="en-US" dirty="0" smtClean="0"/>
-              <a:t>Vector </a:t>
-            </a:r>
-            <a:r>
-              <a:rPr lang="en-US" dirty="0" err="1" smtClean="0"/>
-              <a:t>Embeddings</a:t>
+              <a:t>Vector Embedding - Images</a:t>
             </a:r>
             <a:endParaRPr lang="en-US" dirty="0"/>
           </a:p>
@@ -5662,7 +6818,7 @@
       </p:sp>
       <p:pic>
         <p:nvPicPr>
-          <p:cNvPr id="1026" name="Picture 2" descr="https://partee.io/images/posts/vector-embeddings/embedding-creation.png"/>
+          <p:cNvPr id="4" name="Picture 2" descr="2"/>
           <p:cNvPicPr>
             <a:picLocks noChangeAspect="1" noChangeArrowheads="1"/>
           </p:cNvPicPr>
@@ -5683,8 +6839,8 @@
         </p:blipFill>
         <p:spPr bwMode="auto">
           <a:xfrm>
-            <a:off x="981236" y="1844824"/>
-            <a:ext cx="6858000" cy="3857625"/>
+            <a:off x="683568" y="1700808"/>
+            <a:ext cx="7729513" cy="4392488"/>
           </a:xfrm>
           <a:prstGeom prst="rect">
             <a:avLst/>
@@ -5701,6 +6857,42 @@
           </a:extLst>
         </p:spPr>
       </p:pic>
+      <p:sp>
+        <p:nvSpPr>
+          <p:cNvPr id="6" name="TextBox 5"/>
+          <p:cNvSpPr txBox="1"/>
+          <p:nvPr/>
+        </p:nvSpPr>
+        <p:spPr>
+          <a:xfrm>
+            <a:off x="411133" y="6173266"/>
+            <a:ext cx="8274381" cy="584775"/>
+          </a:xfrm>
+          <a:prstGeom prst="rect">
+            <a:avLst/>
+          </a:prstGeom>
+          <a:noFill/>
+        </p:spPr>
+        <p:txBody>
+          <a:bodyPr wrap="none" rtlCol="0">
+            <a:spAutoFit/>
+          </a:bodyPr>
+          <a:lstStyle/>
+          <a:p>
+            <a:r>
+              <a:rPr lang="en-US" sz="1600" dirty="0" err="1"/>
+              <a:t>Proxima</a:t>
+            </a:r>
+            <a:r>
+              <a:rPr lang="en-US" sz="1600" dirty="0"/>
+              <a:t>: A Vector Retrieval Engine independently developed by Alibaba DAMO Academy</a:t>
+            </a:r>
+          </a:p>
+          <a:p>
+            <a:endParaRPr lang="en-US" sz="1600" dirty="0"/>
+          </a:p>
+        </p:txBody>
+      </p:sp>
     </p:spTree>
     <p:extLst>
       <p:ext uri="{BB962C8B-B14F-4D97-AF65-F5344CB8AC3E}">
@@ -5721,7 +6913,7 @@
 </p:sld>
 </file>
 
-<file path=ppt/slides/slide13.xml><?xml version="1.0" encoding="utf-8"?>
+<file path=ppt/slides/slide15.xml><?xml version="1.0" encoding="utf-8"?>
 <p:sld xmlns:a="http://schemas.openxmlformats.org/drawingml/2006/main" xmlns:r="http://schemas.openxmlformats.org/officeDocument/2006/relationships" xmlns:p="http://schemas.openxmlformats.org/presentationml/2006/main">
   <p:cSld>
     <p:spTree>
@@ -5772,7 +6964,7 @@
             <a:fld id="{5DD0A2D2-7EFB-5840-AF99-D605BC1B2F97}" type="slidenum">
               <a:rPr lang="en-US" smtClean="0"/>
               <a:pPr/>
-              <a:t>13</a:t>
+              <a:t>15</a:t>
             </a:fld>
             <a:endParaRPr lang="en-US" sz="1400" dirty="0">
               <a:latin typeface="Arial" charset="0"/>
@@ -5802,7 +6994,7 @@
           <a:p>
             <a:r>
               <a:rPr lang="en-US" dirty="0" smtClean="0"/>
-              <a:t>Some Other Applications</a:t>
+              <a:t>Vector Embedding - Everything</a:t>
             </a:r>
             <a:endParaRPr lang="en-US" dirty="0"/>
           </a:p>
@@ -6051,6 +7243,398 @@
                 <a:schemeClr val="bg1"/>
               </a:solidFill>
             </a:endParaRPr>
+          </a:p>
+        </p:txBody>
+      </p:sp>
+      <p:sp>
+        <p:nvSpPr>
+          <p:cNvPr id="6" name="TextBox 5"/>
+          <p:cNvSpPr txBox="1"/>
+          <p:nvPr/>
+        </p:nvSpPr>
+        <p:spPr>
+          <a:xfrm>
+            <a:off x="411133" y="6173266"/>
+            <a:ext cx="8274381" cy="584775"/>
+          </a:xfrm>
+          <a:prstGeom prst="rect">
+            <a:avLst/>
+          </a:prstGeom>
+          <a:noFill/>
+        </p:spPr>
+        <p:txBody>
+          <a:bodyPr wrap="none" rtlCol="0">
+            <a:spAutoFit/>
+          </a:bodyPr>
+          <a:lstStyle/>
+          <a:p>
+            <a:r>
+              <a:rPr lang="en-US" sz="1600" dirty="0" err="1"/>
+              <a:t>Proxima</a:t>
+            </a:r>
+            <a:r>
+              <a:rPr lang="en-US" sz="1600" dirty="0"/>
+              <a:t>: A Vector Retrieval Engine independently developed by Alibaba DAMO Academy</a:t>
+            </a:r>
+          </a:p>
+          <a:p>
+            <a:endParaRPr lang="en-US" sz="1600" dirty="0"/>
+          </a:p>
+        </p:txBody>
+      </p:sp>
+      <p:pic>
+        <p:nvPicPr>
+          <p:cNvPr id="2050" name="Picture 2" descr="4"/>
+          <p:cNvPicPr>
+            <a:picLocks noChangeAspect="1" noChangeArrowheads="1"/>
+          </p:cNvPicPr>
+          <p:nvPr/>
+        </p:nvPicPr>
+        <p:blipFill>
+          <a:blip r:embed="rId2">
+            <a:extLst>
+              <a:ext uri="{28A0092B-C50C-407E-A947-70E740481C1C}">
+                <a14:useLocalDpi xmlns:a14="http://schemas.microsoft.com/office/drawing/2010/main" val="0"/>
+              </a:ext>
+            </a:extLst>
+          </a:blip>
+          <a:srcRect/>
+          <a:stretch>
+            <a:fillRect/>
+          </a:stretch>
+        </p:blipFill>
+        <p:spPr bwMode="auto">
+          <a:xfrm>
+            <a:off x="467544" y="1722378"/>
+            <a:ext cx="7997281" cy="4176718"/>
+          </a:xfrm>
+          <a:prstGeom prst="rect">
+            <a:avLst/>
+          </a:prstGeom>
+          <a:noFill/>
+          <a:extLst>
+            <a:ext uri="{909E8E84-426E-40DD-AFC4-6F175D3DCCD1}">
+              <a14:hiddenFill xmlns:a14="http://schemas.microsoft.com/office/drawing/2010/main">
+                <a:solidFill>
+                  <a:srgbClr val="FFFFFF"/>
+                </a:solidFill>
+              </a14:hiddenFill>
+            </a:ext>
+          </a:extLst>
+        </p:spPr>
+      </p:pic>
+    </p:spTree>
+    <p:extLst>
+      <p:ext uri="{BB962C8B-B14F-4D97-AF65-F5344CB8AC3E}">
+        <p14:creationId xmlns:p14="http://schemas.microsoft.com/office/powerpoint/2010/main" val="1833487211"/>
+      </p:ext>
+    </p:extLst>
+  </p:cSld>
+  <p:clrMapOvr>
+    <a:masterClrMapping/>
+  </p:clrMapOvr>
+  <p:timing>
+    <p:tnLst>
+      <p:par>
+        <p:cTn id="1" dur="indefinite" restart="never" nodeType="tmRoot"/>
+      </p:par>
+    </p:tnLst>
+  </p:timing>
+</p:sld>
+</file>
+
+<file path=ppt/slides/slide16.xml><?xml version="1.0" encoding="utf-8"?>
+<p:sld xmlns:a="http://schemas.openxmlformats.org/drawingml/2006/main" xmlns:r="http://schemas.openxmlformats.org/officeDocument/2006/relationships" xmlns:p="http://schemas.openxmlformats.org/presentationml/2006/main">
+  <p:cSld>
+    <p:spTree>
+      <p:nvGrpSpPr>
+        <p:cNvPr id="1" name=""/>
+        <p:cNvGrpSpPr/>
+        <p:nvPr/>
+      </p:nvGrpSpPr>
+      <p:grpSpPr>
+        <a:xfrm>
+          <a:off x="0" y="0"/>
+          <a:ext cx="0" cy="0"/>
+          <a:chOff x="0" y="0"/>
+          <a:chExt cx="0" cy="0"/>
+        </a:xfrm>
+      </p:grpSpPr>
+      <p:sp>
+        <p:nvSpPr>
+          <p:cNvPr id="5" name="Slide Number Placeholder 4"/>
+          <p:cNvSpPr>
+            <a:spLocks noGrp="1"/>
+          </p:cNvSpPr>
+          <p:nvPr>
+            <p:ph type="sldNum" sz="quarter" idx="4294967295"/>
+          </p:nvPr>
+        </p:nvSpPr>
+        <p:spPr>
+          <a:xfrm>
+            <a:off x="8628956" y="6525344"/>
+            <a:ext cx="504056" cy="360040"/>
+          </a:xfrm>
+          <a:prstGeom prst="rect">
+            <a:avLst/>
+          </a:prstGeom>
+        </p:spPr>
+        <p:txBody>
+          <a:bodyPr/>
+          <a:lstStyle>
+            <a:lvl1pPr>
+              <a:defRPr>
+                <a:solidFill>
+                  <a:srgbClr val="152E82"/>
+                </a:solidFill>
+              </a:defRPr>
+            </a:lvl1pPr>
+          </a:lstStyle>
+          <a:p>
+            <a:fld id="{5DD0A2D2-7EFB-5840-AF99-D605BC1B2F97}" type="slidenum">
+              <a:rPr lang="en-US" smtClean="0"/>
+              <a:pPr/>
+              <a:t>16</a:t>
+            </a:fld>
+            <a:endParaRPr lang="en-US" sz="1400" dirty="0">
+              <a:latin typeface="Arial" charset="0"/>
+            </a:endParaRPr>
+          </a:p>
+        </p:txBody>
+      </p:sp>
+      <p:sp>
+        <p:nvSpPr>
+          <p:cNvPr id="3" name="Title 2"/>
+          <p:cNvSpPr>
+            <a:spLocks noGrp="1"/>
+          </p:cNvSpPr>
+          <p:nvPr>
+            <p:ph type="title" idx="4294967295"/>
+          </p:nvPr>
+        </p:nvSpPr>
+        <p:spPr>
+          <a:xfrm>
+            <a:off x="0" y="620713"/>
+            <a:ext cx="8820472" cy="1000125"/>
+          </a:xfrm>
+        </p:spPr>
+        <p:txBody>
+          <a:bodyPr/>
+          <a:lstStyle/>
+          <a:p>
+            <a:r>
+              <a:rPr lang="en-US" dirty="0" smtClean="0"/>
+              <a:t>Some Other Applications</a:t>
+            </a:r>
+            <a:endParaRPr lang="en-US" dirty="0"/>
+          </a:p>
+        </p:txBody>
+      </p:sp>
+      <p:sp>
+        <p:nvSpPr>
+          <p:cNvPr id="7" name="Content Placeholder 1"/>
+          <p:cNvSpPr txBox="1">
+            <a:spLocks/>
+          </p:cNvSpPr>
+          <p:nvPr/>
+        </p:nvSpPr>
+        <p:spPr>
+          <a:xfrm>
+            <a:off x="395536" y="1700808"/>
+            <a:ext cx="8640960" cy="4680520"/>
+          </a:xfrm>
+          <a:prstGeom prst="rect">
+            <a:avLst/>
+          </a:prstGeom>
+        </p:spPr>
+        <p:txBody>
+          <a:bodyPr/>
+          <a:lstStyle>
+            <a:lvl1pPr marL="342900" indent="-342900" algn="l" rtl="0" eaLnBrk="1" fontAlgn="base" hangingPunct="1">
+              <a:spcBef>
+                <a:spcPct val="20000"/>
+              </a:spcBef>
+              <a:spcAft>
+                <a:spcPct val="0"/>
+              </a:spcAft>
+              <a:defRPr sz="2800">
+                <a:solidFill>
+                  <a:schemeClr val="tx1"/>
+                </a:solidFill>
+                <a:latin typeface="Arial"/>
+                <a:ea typeface="+mn-ea"/>
+                <a:cs typeface="Arial"/>
+              </a:defRPr>
+            </a:lvl1pPr>
+            <a:lvl2pPr marL="742950" indent="-285750" algn="l" rtl="0" eaLnBrk="1" fontAlgn="base" hangingPunct="1">
+              <a:spcBef>
+                <a:spcPct val="20000"/>
+              </a:spcBef>
+              <a:spcAft>
+                <a:spcPct val="0"/>
+              </a:spcAft>
+              <a:buClr>
+                <a:srgbClr val="578CDA"/>
+              </a:buClr>
+              <a:buFont typeface="Times" charset="0"/>
+              <a:buChar char="•"/>
+              <a:defRPr sz="2600">
+                <a:solidFill>
+                  <a:schemeClr val="tx1"/>
+                </a:solidFill>
+                <a:latin typeface="Arial"/>
+                <a:ea typeface="+mn-ea"/>
+                <a:cs typeface="Arial"/>
+              </a:defRPr>
+            </a:lvl2pPr>
+            <a:lvl3pPr marL="1143000" indent="-228600" algn="l" rtl="0" eaLnBrk="1" fontAlgn="base" hangingPunct="1">
+              <a:spcBef>
+                <a:spcPct val="20000"/>
+              </a:spcBef>
+              <a:spcAft>
+                <a:spcPct val="0"/>
+              </a:spcAft>
+              <a:buClr>
+                <a:srgbClr val="578CDA"/>
+              </a:buClr>
+              <a:buFont typeface="Wingdings" charset="0"/>
+              <a:buChar char="§"/>
+              <a:defRPr sz="2400">
+                <a:solidFill>
+                  <a:schemeClr val="tx1"/>
+                </a:solidFill>
+                <a:latin typeface="Arial"/>
+                <a:ea typeface="+mn-ea"/>
+                <a:cs typeface="Arial"/>
+              </a:defRPr>
+            </a:lvl3pPr>
+            <a:lvl4pPr marL="1600200" indent="-228600" algn="l" rtl="0" eaLnBrk="1" fontAlgn="base" hangingPunct="1">
+              <a:spcBef>
+                <a:spcPct val="20000"/>
+              </a:spcBef>
+              <a:spcAft>
+                <a:spcPct val="0"/>
+              </a:spcAft>
+              <a:buClr>
+                <a:srgbClr val="578CDA"/>
+              </a:buClr>
+              <a:buChar char="–"/>
+              <a:defRPr sz="2000">
+                <a:solidFill>
+                  <a:schemeClr val="tx1"/>
+                </a:solidFill>
+                <a:latin typeface="Arial"/>
+                <a:ea typeface="+mn-ea"/>
+                <a:cs typeface="Arial"/>
+              </a:defRPr>
+            </a:lvl4pPr>
+            <a:lvl5pPr marL="2057400" indent="-228600" algn="l" rtl="0" eaLnBrk="1" fontAlgn="base" hangingPunct="1">
+              <a:spcBef>
+                <a:spcPct val="20000"/>
+              </a:spcBef>
+              <a:spcAft>
+                <a:spcPct val="0"/>
+              </a:spcAft>
+              <a:buClr>
+                <a:srgbClr val="578CDA"/>
+              </a:buClr>
+              <a:buChar char="»"/>
+              <a:defRPr sz="2000">
+                <a:solidFill>
+                  <a:schemeClr val="tx1"/>
+                </a:solidFill>
+                <a:latin typeface="Arial"/>
+                <a:ea typeface="+mn-ea"/>
+                <a:cs typeface="Arial"/>
+              </a:defRPr>
+            </a:lvl5pPr>
+            <a:lvl6pPr marL="2514600" indent="-228600" algn="l" rtl="0" eaLnBrk="1" fontAlgn="base" hangingPunct="1">
+              <a:spcBef>
+                <a:spcPct val="20000"/>
+              </a:spcBef>
+              <a:spcAft>
+                <a:spcPct val="0"/>
+              </a:spcAft>
+              <a:buClr>
+                <a:srgbClr val="578CDA"/>
+              </a:buClr>
+              <a:buChar char="»"/>
+              <a:defRPr sz="2000">
+                <a:solidFill>
+                  <a:schemeClr val="tx1"/>
+                </a:solidFill>
+                <a:latin typeface="+mn-lt"/>
+                <a:ea typeface="+mn-ea"/>
+              </a:defRPr>
+            </a:lvl6pPr>
+            <a:lvl7pPr marL="2971800" indent="-228600" algn="l" rtl="0" eaLnBrk="1" fontAlgn="base" hangingPunct="1">
+              <a:spcBef>
+                <a:spcPct val="20000"/>
+              </a:spcBef>
+              <a:spcAft>
+                <a:spcPct val="0"/>
+              </a:spcAft>
+              <a:buClr>
+                <a:srgbClr val="578CDA"/>
+              </a:buClr>
+              <a:buChar char="»"/>
+              <a:defRPr sz="2000">
+                <a:solidFill>
+                  <a:schemeClr val="tx1"/>
+                </a:solidFill>
+                <a:latin typeface="+mn-lt"/>
+                <a:ea typeface="+mn-ea"/>
+              </a:defRPr>
+            </a:lvl7pPr>
+            <a:lvl8pPr marL="3429000" indent="-228600" algn="l" rtl="0" eaLnBrk="1" fontAlgn="base" hangingPunct="1">
+              <a:spcBef>
+                <a:spcPct val="20000"/>
+              </a:spcBef>
+              <a:spcAft>
+                <a:spcPct val="0"/>
+              </a:spcAft>
+              <a:buClr>
+                <a:srgbClr val="578CDA"/>
+              </a:buClr>
+              <a:buChar char="»"/>
+              <a:defRPr sz="2000">
+                <a:solidFill>
+                  <a:schemeClr val="tx1"/>
+                </a:solidFill>
+                <a:latin typeface="+mn-lt"/>
+                <a:ea typeface="+mn-ea"/>
+              </a:defRPr>
+            </a:lvl8pPr>
+            <a:lvl9pPr marL="3886200" indent="-228600" algn="l" rtl="0" eaLnBrk="1" fontAlgn="base" hangingPunct="1">
+              <a:spcBef>
+                <a:spcPct val="20000"/>
+              </a:spcBef>
+              <a:spcAft>
+                <a:spcPct val="0"/>
+              </a:spcAft>
+              <a:buClr>
+                <a:srgbClr val="578CDA"/>
+              </a:buClr>
+              <a:buChar char="»"/>
+              <a:defRPr sz="2000">
+                <a:solidFill>
+                  <a:schemeClr val="tx1"/>
+                </a:solidFill>
+                <a:latin typeface="+mn-lt"/>
+                <a:ea typeface="+mn-ea"/>
+              </a:defRPr>
+            </a:lvl9pPr>
+          </a:lstStyle>
+          <a:p>
+            <a:pPr>
+              <a:buFont typeface="Arial" panose="020B0604020202020204" pitchFamily="34" charset="0"/>
+              <a:buChar char="•"/>
+            </a:pPr>
+            <a:endParaRPr lang="en-US" sz="1800" dirty="0"/>
+          </a:p>
+          <a:p>
+            <a:pPr lvl="1"/>
+            <a:endParaRPr lang="en-US" sz="1800" dirty="0"/>
           </a:p>
         </p:txBody>
       </p:sp>
@@ -6140,7 +7724,7 @@
         </p:nvGrpSpPr>
         <p:grpSpPr>
           <a:xfrm>
-            <a:off x="971600" y="3969059"/>
+            <a:off x="4929731" y="3969059"/>
             <a:ext cx="3602709" cy="2520281"/>
             <a:chOff x="807527" y="4101672"/>
             <a:chExt cx="3602709" cy="2520281"/>
@@ -6232,7 +7816,7 @@
         </p:nvGrpSpPr>
         <p:grpSpPr>
           <a:xfrm>
-            <a:off x="5132124" y="3717031"/>
+            <a:off x="899592" y="3717031"/>
             <a:ext cx="3024336" cy="3024336"/>
             <a:chOff x="5132124" y="3717031"/>
             <a:chExt cx="3024336" cy="3024336"/>
@@ -6290,7 +7874,7 @@
                     <a:schemeClr val="bg1"/>
                   </a:solidFill>
                 </a:rPr>
-                <a:t>LLaMa</a:t>
+                <a:t>LLaMA</a:t>
               </a:r>
               <a:r>
                 <a:rPr lang="en-US" sz="2400" b="1" dirty="0" smtClean="0">
@@ -6353,7 +7937,7 @@
                                           </p:stCondLst>
                                         </p:cTn>
                                         <p:tgtEl>
-                                          <p:spTgt spid="9"/>
+                                          <p:spTgt spid="12"/>
                                         </p:tgtEl>
                                         <p:attrNameLst>
                                           <p:attrName>style.visibility</p:attrName>
@@ -6398,7 +7982,7 @@
                                           </p:stCondLst>
                                         </p:cTn>
                                         <p:tgtEl>
-                                          <p:spTgt spid="12"/>
+                                          <p:spTgt spid="9"/>
                                         </p:tgtEl>
                                         <p:attrNameLst>
                                           <p:attrName>style.visibility</p:attrName>
@@ -8231,11 +9815,7 @@
           <a:p>
             <a:r>
               <a:rPr lang="en-US" dirty="0" smtClean="0"/>
-              <a:t>Word2Vec </a:t>
-            </a:r>
-            <a:r>
-              <a:rPr lang="en-US" dirty="0" smtClean="0"/>
-              <a:t>Vector Embedding</a:t>
+              <a:t>Word2Vec Vector Embedding</a:t>
             </a:r>
             <a:endParaRPr lang="en-US" dirty="0"/>
           </a:p>
@@ -8505,7 +10085,7 @@
         </p:nvSpPr>
         <p:spPr>
           <a:xfrm>
-            <a:off x="3347864" y="5951021"/>
+            <a:off x="3347864" y="6059033"/>
             <a:ext cx="2736304" cy="646331"/>
           </a:xfrm>
           <a:prstGeom prst="rect">
@@ -8585,23 +10165,651 @@
       </p:grpSpPr>
       <p:sp>
         <p:nvSpPr>
-          <p:cNvPr id="2" name="Slide Number Placeholder 1"/>
+          <p:cNvPr id="5" name="Slide Number Placeholder 4"/>
           <p:cNvSpPr>
             <a:spLocks noGrp="1"/>
           </p:cNvSpPr>
           <p:nvPr>
-            <p:ph type="sldNum" sz="quarter" idx="11"/>
+            <p:ph type="sldNum" sz="quarter" idx="4294967295"/>
           </p:nvPr>
         </p:nvSpPr>
-        <p:spPr/>
+        <p:spPr>
+          <a:xfrm>
+            <a:off x="8628956" y="6525344"/>
+            <a:ext cx="504056" cy="360040"/>
+          </a:xfrm>
+          <a:prstGeom prst="rect">
+            <a:avLst/>
+          </a:prstGeom>
+        </p:spPr>
         <p:txBody>
           <a:bodyPr/>
-          <a:lstStyle/>
+          <a:lstStyle>
+            <a:lvl1pPr>
+              <a:defRPr>
+                <a:solidFill>
+                  <a:srgbClr val="152E82"/>
+                </a:solidFill>
+              </a:defRPr>
+            </a:lvl1pPr>
+          </a:lstStyle>
           <a:p>
             <a:fld id="{5DD0A2D2-7EFB-5840-AF99-D605BC1B2F97}" type="slidenum">
               <a:rPr lang="en-US" smtClean="0"/>
               <a:pPr/>
               <a:t>6</a:t>
+            </a:fld>
+            <a:endParaRPr lang="en-US" sz="1400" dirty="0">
+              <a:latin typeface="Arial" charset="0"/>
+            </a:endParaRPr>
+          </a:p>
+        </p:txBody>
+      </p:sp>
+      <p:sp>
+        <p:nvSpPr>
+          <p:cNvPr id="3" name="Title 2"/>
+          <p:cNvSpPr>
+            <a:spLocks noGrp="1"/>
+          </p:cNvSpPr>
+          <p:nvPr>
+            <p:ph type="title" idx="4294967295"/>
+          </p:nvPr>
+        </p:nvSpPr>
+        <p:spPr>
+          <a:xfrm>
+            <a:off x="0" y="620713"/>
+            <a:ext cx="8077200" cy="1000125"/>
+          </a:xfrm>
+        </p:spPr>
+        <p:txBody>
+          <a:bodyPr/>
+          <a:lstStyle/>
+          <a:p>
+            <a:r>
+              <a:rPr lang="en-US" dirty="0" smtClean="0"/>
+              <a:t>Word2Vec </a:t>
+            </a:r>
+            <a:r>
+              <a:rPr lang="en-US" dirty="0" smtClean="0"/>
+              <a:t>to Transformers</a:t>
+            </a:r>
+            <a:endParaRPr lang="en-US" dirty="0"/>
+          </a:p>
+        </p:txBody>
+      </p:sp>
+      <p:sp>
+        <p:nvSpPr>
+          <p:cNvPr id="7" name="Content Placeholder 1"/>
+          <p:cNvSpPr txBox="1">
+            <a:spLocks/>
+          </p:cNvSpPr>
+          <p:nvPr/>
+        </p:nvSpPr>
+        <p:spPr>
+          <a:xfrm>
+            <a:off x="395536" y="1700808"/>
+            <a:ext cx="8640960" cy="504056"/>
+          </a:xfrm>
+          <a:prstGeom prst="rect">
+            <a:avLst/>
+          </a:prstGeom>
+        </p:spPr>
+        <p:txBody>
+          <a:bodyPr/>
+          <a:lstStyle>
+            <a:lvl1pPr marL="342900" indent="-342900" algn="l" rtl="0" eaLnBrk="1" fontAlgn="base" hangingPunct="1">
+              <a:spcBef>
+                <a:spcPct val="20000"/>
+              </a:spcBef>
+              <a:spcAft>
+                <a:spcPct val="0"/>
+              </a:spcAft>
+              <a:defRPr sz="2800">
+                <a:solidFill>
+                  <a:schemeClr val="tx1"/>
+                </a:solidFill>
+                <a:latin typeface="Arial"/>
+                <a:ea typeface="+mn-ea"/>
+                <a:cs typeface="Arial"/>
+              </a:defRPr>
+            </a:lvl1pPr>
+            <a:lvl2pPr marL="742950" indent="-285750" algn="l" rtl="0" eaLnBrk="1" fontAlgn="base" hangingPunct="1">
+              <a:spcBef>
+                <a:spcPct val="20000"/>
+              </a:spcBef>
+              <a:spcAft>
+                <a:spcPct val="0"/>
+              </a:spcAft>
+              <a:buClr>
+                <a:srgbClr val="578CDA"/>
+              </a:buClr>
+              <a:buFont typeface="Times" charset="0"/>
+              <a:buChar char="•"/>
+              <a:defRPr sz="2600">
+                <a:solidFill>
+                  <a:schemeClr val="tx1"/>
+                </a:solidFill>
+                <a:latin typeface="Arial"/>
+                <a:ea typeface="+mn-ea"/>
+                <a:cs typeface="Arial"/>
+              </a:defRPr>
+            </a:lvl2pPr>
+            <a:lvl3pPr marL="1143000" indent="-228600" algn="l" rtl="0" eaLnBrk="1" fontAlgn="base" hangingPunct="1">
+              <a:spcBef>
+                <a:spcPct val="20000"/>
+              </a:spcBef>
+              <a:spcAft>
+                <a:spcPct val="0"/>
+              </a:spcAft>
+              <a:buClr>
+                <a:srgbClr val="578CDA"/>
+              </a:buClr>
+              <a:buFont typeface="Wingdings" charset="0"/>
+              <a:buChar char="§"/>
+              <a:defRPr sz="2400">
+                <a:solidFill>
+                  <a:schemeClr val="tx1"/>
+                </a:solidFill>
+                <a:latin typeface="Arial"/>
+                <a:ea typeface="+mn-ea"/>
+                <a:cs typeface="Arial"/>
+              </a:defRPr>
+            </a:lvl3pPr>
+            <a:lvl4pPr marL="1600200" indent="-228600" algn="l" rtl="0" eaLnBrk="1" fontAlgn="base" hangingPunct="1">
+              <a:spcBef>
+                <a:spcPct val="20000"/>
+              </a:spcBef>
+              <a:spcAft>
+                <a:spcPct val="0"/>
+              </a:spcAft>
+              <a:buClr>
+                <a:srgbClr val="578CDA"/>
+              </a:buClr>
+              <a:buChar char="–"/>
+              <a:defRPr sz="2000">
+                <a:solidFill>
+                  <a:schemeClr val="tx1"/>
+                </a:solidFill>
+                <a:latin typeface="Arial"/>
+                <a:ea typeface="+mn-ea"/>
+                <a:cs typeface="Arial"/>
+              </a:defRPr>
+            </a:lvl4pPr>
+            <a:lvl5pPr marL="2057400" indent="-228600" algn="l" rtl="0" eaLnBrk="1" fontAlgn="base" hangingPunct="1">
+              <a:spcBef>
+                <a:spcPct val="20000"/>
+              </a:spcBef>
+              <a:spcAft>
+                <a:spcPct val="0"/>
+              </a:spcAft>
+              <a:buClr>
+                <a:srgbClr val="578CDA"/>
+              </a:buClr>
+              <a:buChar char="»"/>
+              <a:defRPr sz="2000">
+                <a:solidFill>
+                  <a:schemeClr val="tx1"/>
+                </a:solidFill>
+                <a:latin typeface="Arial"/>
+                <a:ea typeface="+mn-ea"/>
+                <a:cs typeface="Arial"/>
+              </a:defRPr>
+            </a:lvl5pPr>
+            <a:lvl6pPr marL="2514600" indent="-228600" algn="l" rtl="0" eaLnBrk="1" fontAlgn="base" hangingPunct="1">
+              <a:spcBef>
+                <a:spcPct val="20000"/>
+              </a:spcBef>
+              <a:spcAft>
+                <a:spcPct val="0"/>
+              </a:spcAft>
+              <a:buClr>
+                <a:srgbClr val="578CDA"/>
+              </a:buClr>
+              <a:buChar char="»"/>
+              <a:defRPr sz="2000">
+                <a:solidFill>
+                  <a:schemeClr val="tx1"/>
+                </a:solidFill>
+                <a:latin typeface="+mn-lt"/>
+                <a:ea typeface="+mn-ea"/>
+              </a:defRPr>
+            </a:lvl6pPr>
+            <a:lvl7pPr marL="2971800" indent="-228600" algn="l" rtl="0" eaLnBrk="1" fontAlgn="base" hangingPunct="1">
+              <a:spcBef>
+                <a:spcPct val="20000"/>
+              </a:spcBef>
+              <a:spcAft>
+                <a:spcPct val="0"/>
+              </a:spcAft>
+              <a:buClr>
+                <a:srgbClr val="578CDA"/>
+              </a:buClr>
+              <a:buChar char="»"/>
+              <a:defRPr sz="2000">
+                <a:solidFill>
+                  <a:schemeClr val="tx1"/>
+                </a:solidFill>
+                <a:latin typeface="+mn-lt"/>
+                <a:ea typeface="+mn-ea"/>
+              </a:defRPr>
+            </a:lvl7pPr>
+            <a:lvl8pPr marL="3429000" indent="-228600" algn="l" rtl="0" eaLnBrk="1" fontAlgn="base" hangingPunct="1">
+              <a:spcBef>
+                <a:spcPct val="20000"/>
+              </a:spcBef>
+              <a:spcAft>
+                <a:spcPct val="0"/>
+              </a:spcAft>
+              <a:buClr>
+                <a:srgbClr val="578CDA"/>
+              </a:buClr>
+              <a:buChar char="»"/>
+              <a:defRPr sz="2000">
+                <a:solidFill>
+                  <a:schemeClr val="tx1"/>
+                </a:solidFill>
+                <a:latin typeface="+mn-lt"/>
+                <a:ea typeface="+mn-ea"/>
+              </a:defRPr>
+            </a:lvl8pPr>
+            <a:lvl9pPr marL="3886200" indent="-228600" algn="l" rtl="0" eaLnBrk="1" fontAlgn="base" hangingPunct="1">
+              <a:spcBef>
+                <a:spcPct val="20000"/>
+              </a:spcBef>
+              <a:spcAft>
+                <a:spcPct val="0"/>
+              </a:spcAft>
+              <a:buClr>
+                <a:srgbClr val="578CDA"/>
+              </a:buClr>
+              <a:buChar char="»"/>
+              <a:defRPr sz="2000">
+                <a:solidFill>
+                  <a:schemeClr val="tx1"/>
+                </a:solidFill>
+                <a:latin typeface="+mn-lt"/>
+                <a:ea typeface="+mn-ea"/>
+              </a:defRPr>
+            </a:lvl9pPr>
+          </a:lstStyle>
+          <a:p>
+            <a:pPr>
+              <a:buFont typeface="Arial" panose="020B0604020202020204" pitchFamily="34" charset="0"/>
+              <a:buChar char="•"/>
+            </a:pPr>
+            <a:endParaRPr lang="en-US" sz="1800" dirty="0"/>
+          </a:p>
+        </p:txBody>
+      </p:sp>
+      <p:grpSp>
+        <p:nvGrpSpPr>
+          <p:cNvPr id="11" name="Group 10"/>
+          <p:cNvGrpSpPr/>
+          <p:nvPr/>
+        </p:nvGrpSpPr>
+        <p:grpSpPr>
+          <a:xfrm>
+            <a:off x="539552" y="1610440"/>
+            <a:ext cx="3772426" cy="3410426"/>
+            <a:chOff x="539552" y="1610440"/>
+            <a:chExt cx="3772426" cy="3410426"/>
+          </a:xfrm>
+        </p:grpSpPr>
+        <p:pic>
+          <p:nvPicPr>
+            <p:cNvPr id="4" name="Picture 3"/>
+            <p:cNvPicPr>
+              <a:picLocks noChangeAspect="1"/>
+            </p:cNvPicPr>
+            <p:nvPr/>
+          </p:nvPicPr>
+          <p:blipFill>
+            <a:blip r:embed="rId3"/>
+            <a:stretch>
+              <a:fillRect/>
+            </a:stretch>
+          </p:blipFill>
+          <p:spPr>
+            <a:xfrm>
+              <a:off x="539552" y="1610440"/>
+              <a:ext cx="3772426" cy="3410426"/>
+            </a:xfrm>
+            <a:prstGeom prst="rect">
+              <a:avLst/>
+            </a:prstGeom>
+          </p:spPr>
+        </p:pic>
+        <p:sp>
+          <p:nvSpPr>
+            <p:cNvPr id="8" name="TextBox 7"/>
+            <p:cNvSpPr txBox="1"/>
+            <p:nvPr/>
+          </p:nvSpPr>
+          <p:spPr>
+            <a:xfrm>
+              <a:off x="1763688" y="2380818"/>
+              <a:ext cx="1421030" cy="400110"/>
+            </a:xfrm>
+            <a:prstGeom prst="rect">
+              <a:avLst/>
+            </a:prstGeom>
+            <a:noFill/>
+          </p:spPr>
+          <p:txBody>
+            <a:bodyPr wrap="none" rtlCol="0">
+              <a:spAutoFit/>
+            </a:bodyPr>
+            <a:lstStyle/>
+            <a:p>
+              <a:r>
+                <a:rPr lang="en-US" sz="2000" b="1" dirty="0" smtClean="0">
+                  <a:solidFill>
+                    <a:schemeClr val="bg1"/>
+                  </a:solidFill>
+                </a:rPr>
+                <a:t>Word2Vec</a:t>
+              </a:r>
+              <a:endParaRPr lang="en-US" sz="2000" b="1" dirty="0">
+                <a:solidFill>
+                  <a:schemeClr val="bg1"/>
+                </a:solidFill>
+              </a:endParaRPr>
+            </a:p>
+          </p:txBody>
+        </p:sp>
+        <p:sp>
+          <p:nvSpPr>
+            <p:cNvPr id="12" name="TextBox 11"/>
+            <p:cNvSpPr txBox="1"/>
+            <p:nvPr/>
+          </p:nvSpPr>
+          <p:spPr>
+            <a:xfrm>
+              <a:off x="916819" y="3632085"/>
+              <a:ext cx="3007109" cy="646331"/>
+            </a:xfrm>
+            <a:prstGeom prst="rect">
+              <a:avLst/>
+            </a:prstGeom>
+            <a:noFill/>
+          </p:spPr>
+          <p:txBody>
+            <a:bodyPr wrap="square" rtlCol="0">
+              <a:spAutoFit/>
+            </a:bodyPr>
+            <a:lstStyle/>
+            <a:p>
+              <a:r>
+                <a:rPr lang="en-US" dirty="0" err="1" smtClean="0">
+                  <a:solidFill>
+                    <a:schemeClr val="bg1"/>
+                  </a:solidFill>
+                </a:rPr>
+                <a:t>Vectorize</a:t>
+              </a:r>
+              <a:r>
+                <a:rPr lang="en-US" dirty="0" smtClean="0">
+                  <a:solidFill>
+                    <a:schemeClr val="bg1"/>
+                  </a:solidFill>
+                </a:rPr>
+                <a:t> one word to predict next word (vector)</a:t>
+              </a:r>
+              <a:endParaRPr lang="en-US" dirty="0">
+                <a:solidFill>
+                  <a:schemeClr val="bg1"/>
+                </a:solidFill>
+              </a:endParaRPr>
+            </a:p>
+          </p:txBody>
+        </p:sp>
+      </p:grpSp>
+      <p:grpSp>
+        <p:nvGrpSpPr>
+          <p:cNvPr id="13" name="Group 12"/>
+          <p:cNvGrpSpPr/>
+          <p:nvPr/>
+        </p:nvGrpSpPr>
+        <p:grpSpPr>
+          <a:xfrm>
+            <a:off x="3660404" y="3396349"/>
+            <a:ext cx="4968552" cy="3273011"/>
+            <a:chOff x="3660404" y="3396349"/>
+            <a:chExt cx="4968552" cy="3273011"/>
+          </a:xfrm>
+        </p:grpSpPr>
+        <p:pic>
+          <p:nvPicPr>
+            <p:cNvPr id="2" name="Picture 1"/>
+            <p:cNvPicPr>
+              <a:picLocks noChangeAspect="1"/>
+            </p:cNvPicPr>
+            <p:nvPr/>
+          </p:nvPicPr>
+          <p:blipFill rotWithShape="1">
+            <a:blip r:embed="rId4"/>
+            <a:srcRect l="1299" t="1" r="9086" b="413"/>
+            <a:stretch/>
+          </p:blipFill>
+          <p:spPr>
+            <a:xfrm>
+              <a:off x="3660404" y="3396349"/>
+              <a:ext cx="4968552" cy="3273011"/>
+            </a:xfrm>
+            <a:prstGeom prst="rect">
+              <a:avLst/>
+            </a:prstGeom>
+          </p:spPr>
+        </p:pic>
+        <p:sp>
+          <p:nvSpPr>
+            <p:cNvPr id="10" name="TextBox 9"/>
+            <p:cNvSpPr txBox="1"/>
+            <p:nvPr/>
+          </p:nvSpPr>
+          <p:spPr>
+            <a:xfrm>
+              <a:off x="3828929" y="3645024"/>
+              <a:ext cx="1823191" cy="400110"/>
+            </a:xfrm>
+            <a:prstGeom prst="rect">
+              <a:avLst/>
+            </a:prstGeom>
+            <a:noFill/>
+          </p:spPr>
+          <p:txBody>
+            <a:bodyPr wrap="none" rtlCol="0">
+              <a:spAutoFit/>
+            </a:bodyPr>
+            <a:lstStyle/>
+            <a:p>
+              <a:r>
+                <a:rPr lang="en-US" sz="2000" b="1" dirty="0" smtClean="0">
+                  <a:solidFill>
+                    <a:schemeClr val="bg1"/>
+                  </a:solidFill>
+                </a:rPr>
+                <a:t>Transformers</a:t>
+              </a:r>
+              <a:endParaRPr lang="en-US" sz="2000" b="1" dirty="0">
+                <a:solidFill>
+                  <a:schemeClr val="bg1"/>
+                </a:solidFill>
+              </a:endParaRPr>
+            </a:p>
+          </p:txBody>
+        </p:sp>
+        <p:sp>
+          <p:nvSpPr>
+            <p:cNvPr id="9" name="TextBox 8"/>
+            <p:cNvSpPr txBox="1"/>
+            <p:nvPr/>
+          </p:nvSpPr>
+          <p:spPr>
+            <a:xfrm>
+              <a:off x="3779912" y="5602014"/>
+              <a:ext cx="3045138" cy="923330"/>
+            </a:xfrm>
+            <a:prstGeom prst="rect">
+              <a:avLst/>
+            </a:prstGeom>
+            <a:noFill/>
+          </p:spPr>
+          <p:txBody>
+            <a:bodyPr wrap="square" rtlCol="0">
+              <a:spAutoFit/>
+            </a:bodyPr>
+            <a:lstStyle/>
+            <a:p>
+              <a:r>
+                <a:rPr lang="en-US" dirty="0" err="1" smtClean="0">
+                  <a:solidFill>
+                    <a:schemeClr val="bg1"/>
+                  </a:solidFill>
+                </a:rPr>
+                <a:t>Vectorize</a:t>
+              </a:r>
+              <a:r>
+                <a:rPr lang="en-US" dirty="0" smtClean="0">
+                  <a:solidFill>
+                    <a:schemeClr val="bg1"/>
+                  </a:solidFill>
+                </a:rPr>
+                <a:t> words, sentences, paragraphs to predict next word (vector)</a:t>
+              </a:r>
+              <a:endParaRPr lang="en-US" dirty="0">
+                <a:solidFill>
+                  <a:schemeClr val="bg1"/>
+                </a:solidFill>
+              </a:endParaRPr>
+            </a:p>
+          </p:txBody>
+        </p:sp>
+      </p:grpSp>
+    </p:spTree>
+    <p:extLst>
+      <p:ext uri="{BB962C8B-B14F-4D97-AF65-F5344CB8AC3E}">
+        <p14:creationId xmlns:p14="http://schemas.microsoft.com/office/powerpoint/2010/main" val="3947306082"/>
+      </p:ext>
+    </p:extLst>
+  </p:cSld>
+  <p:clrMapOvr>
+    <a:masterClrMapping/>
+  </p:clrMapOvr>
+  <p:timing>
+    <p:tnLst>
+      <p:par>
+        <p:cTn id="1" dur="indefinite" restart="never" nodeType="tmRoot">
+          <p:childTnLst>
+            <p:seq concurrent="1" nextAc="seek">
+              <p:cTn id="2" dur="indefinite" nodeType="mainSeq">
+                <p:childTnLst>
+                  <p:par>
+                    <p:cTn id="3" fill="hold">
+                      <p:stCondLst>
+                        <p:cond delay="indefinite"/>
+                      </p:stCondLst>
+                      <p:childTnLst>
+                        <p:par>
+                          <p:cTn id="4" fill="hold">
+                            <p:stCondLst>
+                              <p:cond delay="0"/>
+                            </p:stCondLst>
+                            <p:childTnLst>
+                              <p:par>
+                                <p:cTn id="5" presetID="1" presetClass="entr" presetSubtype="0" fill="hold" nodeType="clickEffect">
+                                  <p:stCondLst>
+                                    <p:cond delay="0"/>
+                                  </p:stCondLst>
+                                  <p:childTnLst>
+                                    <p:set>
+                                      <p:cBhvr>
+                                        <p:cTn id="6" dur="1" fill="hold">
+                                          <p:stCondLst>
+                                            <p:cond delay="0"/>
+                                          </p:stCondLst>
+                                        </p:cTn>
+                                        <p:tgtEl>
+                                          <p:spTgt spid="13"/>
+                                        </p:tgtEl>
+                                        <p:attrNameLst>
+                                          <p:attrName>style.visibility</p:attrName>
+                                        </p:attrNameLst>
+                                      </p:cBhvr>
+                                      <p:to>
+                                        <p:strVal val="visible"/>
+                                      </p:to>
+                                    </p:set>
+                                  </p:childTnLst>
+                                </p:cTn>
+                              </p:par>
+                            </p:childTnLst>
+                          </p:cTn>
+                        </p:par>
+                      </p:childTnLst>
+                    </p:cTn>
+                  </p:par>
+                </p:childTnLst>
+              </p:cTn>
+              <p:prevCondLst>
+                <p:cond evt="onPrev" delay="0">
+                  <p:tgtEl>
+                    <p:sldTgt/>
+                  </p:tgtEl>
+                </p:cond>
+              </p:prevCondLst>
+              <p:nextCondLst>
+                <p:cond evt="onNext" delay="0">
+                  <p:tgtEl>
+                    <p:sldTgt/>
+                  </p:tgtEl>
+                </p:cond>
+              </p:nextCondLst>
+            </p:seq>
+          </p:childTnLst>
+        </p:cTn>
+      </p:par>
+    </p:tnLst>
+  </p:timing>
+</p:sld>
+</file>
+
+<file path=ppt/slides/slide7.xml><?xml version="1.0" encoding="utf-8"?>
+<p:sld xmlns:a="http://schemas.openxmlformats.org/drawingml/2006/main" xmlns:r="http://schemas.openxmlformats.org/officeDocument/2006/relationships" xmlns:p="http://schemas.openxmlformats.org/presentationml/2006/main">
+  <p:cSld>
+    <p:spTree>
+      <p:nvGrpSpPr>
+        <p:cNvPr id="1" name=""/>
+        <p:cNvGrpSpPr/>
+        <p:nvPr/>
+      </p:nvGrpSpPr>
+      <p:grpSpPr>
+        <a:xfrm>
+          <a:off x="0" y="0"/>
+          <a:ext cx="0" cy="0"/>
+          <a:chOff x="0" y="0"/>
+          <a:chExt cx="0" cy="0"/>
+        </a:xfrm>
+      </p:grpSpPr>
+      <p:sp>
+        <p:nvSpPr>
+          <p:cNvPr id="2" name="Slide Number Placeholder 1"/>
+          <p:cNvSpPr>
+            <a:spLocks noGrp="1"/>
+          </p:cNvSpPr>
+          <p:nvPr>
+            <p:ph type="sldNum" sz="quarter" idx="11"/>
+          </p:nvPr>
+        </p:nvSpPr>
+        <p:spPr/>
+        <p:txBody>
+          <a:bodyPr/>
+          <a:lstStyle/>
+          <a:p>
+            <a:fld id="{5DD0A2D2-7EFB-5840-AF99-D605BC1B2F97}" type="slidenum">
+              <a:rPr lang="en-US" smtClean="0"/>
+              <a:pPr/>
+              <a:t>7</a:t>
             </a:fld>
             <a:endParaRPr lang="en-US" sz="1400" dirty="0">
               <a:latin typeface="Arial" charset="0"/>
@@ -8762,7 +10970,7 @@
         </p:nvSpPr>
         <p:spPr>
           <a:xfrm>
-            <a:off x="395536" y="4697849"/>
+            <a:off x="395536" y="4769857"/>
             <a:ext cx="3960440" cy="1323439"/>
           </a:xfrm>
           <a:prstGeom prst="rect">
@@ -8847,8 +11055,8 @@
         </p:nvSpPr>
         <p:spPr>
           <a:xfrm>
-            <a:off x="4644008" y="4697848"/>
-            <a:ext cx="4248472" cy="1323439"/>
+            <a:off x="4644008" y="4739660"/>
+            <a:ext cx="4248472" cy="1569660"/>
           </a:xfrm>
           <a:prstGeom prst="rect">
             <a:avLst/>
@@ -8877,11 +11085,15 @@
                   <a:srgbClr val="0070C0"/>
                 </a:solidFill>
               </a:rPr>
-              <a:t>Self-attention training</a:t>
+              <a:t>Positional encoding </a:t>
+            </a:r>
+            <a:r>
+              <a:rPr lang="en-US" sz="1600" dirty="0" smtClean="0"/>
+              <a:t>provides </a:t>
             </a:r>
             <a:r>
               <a:rPr lang="en-US" sz="1600" dirty="0"/>
-              <a:t> gives more weightings to the related words</a:t>
+              <a:t>a relative position for each token or word in a sequence</a:t>
             </a:r>
           </a:p>
           <a:p>
@@ -8890,46 +11102,30 @@
               <a:buChar char="•"/>
             </a:pPr>
             <a:r>
-              <a:rPr lang="en-US" sz="1600" dirty="0" err="1" smtClean="0"/>
-              <a:t>Vectorize</a:t>
+              <a:rPr lang="en-US" sz="1600" b="1" dirty="0" smtClean="0">
+                <a:solidFill>
+                  <a:srgbClr val="0070C0"/>
+                </a:solidFill>
+              </a:rPr>
+              <a:t>Self-attention </a:t>
+            </a:r>
+            <a:r>
+              <a:rPr lang="en-US" sz="1600" b="1" dirty="0">
+                <a:solidFill>
+                  <a:srgbClr val="0070C0"/>
+                </a:solidFill>
+              </a:rPr>
+              <a:t>training</a:t>
+            </a:r>
+            <a:r>
+              <a:rPr lang="en-US" sz="1600" dirty="0"/>
+              <a:t> gives more weightings to the related </a:t>
             </a:r>
             <a:r>
               <a:rPr lang="en-US" sz="1600" dirty="0" smtClean="0"/>
-              <a:t> </a:t>
-            </a:r>
-            <a:r>
-              <a:rPr lang="en-US" sz="1600" dirty="0"/>
-              <a:t>a </a:t>
-            </a:r>
-            <a:r>
-              <a:rPr lang="en-US" sz="1600" dirty="0" smtClean="0"/>
-              <a:t>arbitrary </a:t>
-            </a:r>
-            <a:r>
-              <a:rPr lang="en-US" sz="1600" b="1" dirty="0" smtClean="0">
-                <a:solidFill>
-                  <a:srgbClr val="0070C0"/>
-                </a:solidFill>
-              </a:rPr>
-              <a:t>long sentence </a:t>
-            </a:r>
-            <a:r>
-              <a:rPr lang="en-US" sz="1600" dirty="0" smtClean="0"/>
-              <a:t>to </a:t>
-            </a:r>
-            <a:r>
-              <a:rPr lang="en-US" sz="1600" b="1" dirty="0" smtClean="0">
-                <a:solidFill>
-                  <a:srgbClr val="0070C0"/>
-                </a:solidFill>
-              </a:rPr>
-              <a:t>predict the next word</a:t>
-            </a:r>
-            <a:endParaRPr lang="en-US" sz="1600" b="1" dirty="0">
-              <a:solidFill>
-                <a:srgbClr val="0070C0"/>
-              </a:solidFill>
-            </a:endParaRPr>
+              <a:t>words</a:t>
+            </a:r>
+            <a:endParaRPr lang="en-US" sz="1600" dirty="0"/>
           </a:p>
         </p:txBody>
       </p:sp>
@@ -9161,7 +11357,7 @@
 </p:sld>
 </file>
 
-<file path=ppt/slides/slide7.xml><?xml version="1.0" encoding="utf-8"?>
+<file path=ppt/slides/slide8.xml><?xml version="1.0" encoding="utf-8"?>
 <p:sld xmlns:a="http://schemas.openxmlformats.org/drawingml/2006/main" xmlns:r="http://schemas.openxmlformats.org/officeDocument/2006/relationships" xmlns:p="http://schemas.openxmlformats.org/presentationml/2006/main">
   <p:cSld>
     <p:spTree>
@@ -9212,7 +11408,7 @@
             <a:fld id="{5DD0A2D2-7EFB-5840-AF99-D605BC1B2F97}" type="slidenum">
               <a:rPr lang="en-US" smtClean="0"/>
               <a:pPr/>
-              <a:t>7</a:t>
+              <a:t>8</a:t>
             </a:fld>
             <a:endParaRPr lang="en-US" sz="1400" dirty="0">
               <a:latin typeface="Arial" charset="0"/>
@@ -9424,7 +11620,7 @@
         <p:spPr>
           <a:xfrm>
             <a:off x="279340" y="1919690"/>
-            <a:ext cx="8612294" cy="830997"/>
+            <a:ext cx="7212295" cy="369332"/>
           </a:xfrm>
           <a:prstGeom prst="rect">
             <a:avLst/>
@@ -9443,30 +11639,8 @@
             </a:r>
             <a:r>
               <a:rPr lang="en-US" dirty="0"/>
-              <a:t> a arbitrary </a:t>
-            </a:r>
-            <a:r>
-              <a:rPr lang="en-US" b="1" dirty="0">
-                <a:solidFill>
-                  <a:srgbClr val="0070C0"/>
-                </a:solidFill>
-              </a:rPr>
-              <a:t>long sentence </a:t>
-            </a:r>
-            <a:r>
-              <a:rPr lang="en-US" dirty="0"/>
-              <a:t>to </a:t>
-            </a:r>
-            <a:r>
-              <a:rPr lang="en-US" b="1" dirty="0">
-                <a:solidFill>
-                  <a:srgbClr val="0070C0"/>
-                </a:solidFill>
-              </a:rPr>
-              <a:t>predict the next word</a:t>
-            </a:r>
-          </a:p>
-          <a:p>
+              <a:t> words, sentences, paragraphs to predict next word (vector)</a:t>
+            </a:r>
             <a:endParaRPr lang="en-US" dirty="0"/>
           </a:p>
         </p:txBody>
@@ -9654,7 +11828,7 @@
 </p:sld>
 </file>
 
-<file path=ppt/slides/slide8.xml><?xml version="1.0" encoding="utf-8"?>
+<file path=ppt/slides/slide9.xml><?xml version="1.0" encoding="utf-8"?>
 <p:sld xmlns:a="http://schemas.openxmlformats.org/drawingml/2006/main" xmlns:r="http://schemas.openxmlformats.org/officeDocument/2006/relationships" xmlns:p="http://schemas.openxmlformats.org/presentationml/2006/main">
   <p:cSld>
     <p:spTree>
@@ -9705,7 +11879,7 @@
             <a:fld id="{5DD0A2D2-7EFB-5840-AF99-D605BC1B2F97}" type="slidenum">
               <a:rPr lang="en-US" smtClean="0"/>
               <a:pPr/>
-              <a:t>8</a:t>
+              <a:t>9</a:t>
             </a:fld>
             <a:endParaRPr lang="en-US" sz="1400" dirty="0">
               <a:latin typeface="Arial" charset="0"/>
@@ -10069,21 +12243,8 @@
             </a:r>
             <a:r>
               <a:rPr lang="en-US" dirty="0" smtClean="0"/>
-              <a:t>- Generate </a:t>
-            </a:r>
-            <a:r>
-              <a:rPr lang="en-US" dirty="0" smtClean="0"/>
-              <a:t>syntactically </a:t>
-            </a:r>
-            <a:r>
-              <a:rPr lang="en-US" dirty="0" smtClean="0"/>
-              <a:t>and grammatically correct </a:t>
-            </a:r>
-            <a:r>
-              <a:rPr lang="en-US" dirty="0" smtClean="0"/>
-              <a:t>sentence but may not align with the instructions</a:t>
-            </a:r>
-            <a:endParaRPr lang="en-US" dirty="0" smtClean="0"/>
+              <a:t>- Generate syntactically and grammatically correct sentence but may not align with the instructions</a:t>
+            </a:r>
           </a:p>
           <a:p>
             <a:endParaRPr lang="en-US" dirty="0" smtClean="0"/>
@@ -10102,7 +12263,7 @@
         <p:spPr>
           <a:xfrm>
             <a:off x="427832" y="6095037"/>
-            <a:ext cx="8208209" cy="646331"/>
+            <a:ext cx="8413393" cy="646331"/>
           </a:xfrm>
           <a:prstGeom prst="rect">
             <a:avLst/>
@@ -10121,7 +12282,15 @@
             </a:r>
             <a:r>
               <a:rPr lang="en-US" dirty="0"/>
-              <a:t>- align the content with the human instructions</a:t>
+              <a:t>- align the content with the </a:t>
+            </a:r>
+            <a:r>
+              <a:rPr lang="en-US" b="1" dirty="0">
+                <a:solidFill>
+                  <a:srgbClr val="0070C0"/>
+                </a:solidFill>
+              </a:rPr>
+              <a:t>human instructions</a:t>
             </a:r>
           </a:p>
           <a:p>
@@ -10243,634 +12412,6 @@
     <p:bldLst>
       <p:bldP spid="4" grpId="0"/>
     </p:bldLst>
-  </p:timing>
-</p:sld>
-</file>
-
-<file path=ppt/slides/slide9.xml><?xml version="1.0" encoding="utf-8"?>
-<p:sld xmlns:a="http://schemas.openxmlformats.org/drawingml/2006/main" xmlns:r="http://schemas.openxmlformats.org/officeDocument/2006/relationships" xmlns:p="http://schemas.openxmlformats.org/presentationml/2006/main">
-  <p:cSld>
-    <p:spTree>
-      <p:nvGrpSpPr>
-        <p:cNvPr id="1" name=""/>
-        <p:cNvGrpSpPr/>
-        <p:nvPr/>
-      </p:nvGrpSpPr>
-      <p:grpSpPr>
-        <a:xfrm>
-          <a:off x="0" y="0"/>
-          <a:ext cx="0" cy="0"/>
-          <a:chOff x="0" y="0"/>
-          <a:chExt cx="0" cy="0"/>
-        </a:xfrm>
-      </p:grpSpPr>
-      <p:sp>
-        <p:nvSpPr>
-          <p:cNvPr id="5" name="Slide Number Placeholder 4"/>
-          <p:cNvSpPr>
-            <a:spLocks noGrp="1"/>
-          </p:cNvSpPr>
-          <p:nvPr>
-            <p:ph type="sldNum" sz="quarter" idx="4294967295"/>
-          </p:nvPr>
-        </p:nvSpPr>
-        <p:spPr>
-          <a:xfrm>
-            <a:off x="8628956" y="6525344"/>
-            <a:ext cx="504056" cy="360040"/>
-          </a:xfrm>
-          <a:prstGeom prst="rect">
-            <a:avLst/>
-          </a:prstGeom>
-        </p:spPr>
-        <p:txBody>
-          <a:bodyPr/>
-          <a:lstStyle>
-            <a:lvl1pPr>
-              <a:defRPr>
-                <a:solidFill>
-                  <a:srgbClr val="152E82"/>
-                </a:solidFill>
-              </a:defRPr>
-            </a:lvl1pPr>
-          </a:lstStyle>
-          <a:p>
-            <a:fld id="{5DD0A2D2-7EFB-5840-AF99-D605BC1B2F97}" type="slidenum">
-              <a:rPr lang="en-US" smtClean="0"/>
-              <a:pPr/>
-              <a:t>9</a:t>
-            </a:fld>
-            <a:endParaRPr lang="en-US" sz="1400" dirty="0">
-              <a:latin typeface="Arial" charset="0"/>
-            </a:endParaRPr>
-          </a:p>
-        </p:txBody>
-      </p:sp>
-      <p:sp>
-        <p:nvSpPr>
-          <p:cNvPr id="3" name="Title 2"/>
-          <p:cNvSpPr>
-            <a:spLocks noGrp="1"/>
-          </p:cNvSpPr>
-          <p:nvPr>
-            <p:ph type="title" idx="4294967295"/>
-          </p:nvPr>
-        </p:nvSpPr>
-        <p:spPr>
-          <a:xfrm>
-            <a:off x="0" y="620713"/>
-            <a:ext cx="8820472" cy="1000125"/>
-          </a:xfrm>
-        </p:spPr>
-        <p:txBody>
-          <a:bodyPr/>
-          <a:lstStyle/>
-          <a:p>
-            <a:r>
-              <a:rPr lang="en-US" dirty="0" smtClean="0"/>
-              <a:t>Domain Specific LLMs</a:t>
-            </a:r>
-            <a:endParaRPr lang="en-US" dirty="0"/>
-          </a:p>
-        </p:txBody>
-      </p:sp>
-      <p:sp>
-        <p:nvSpPr>
-          <p:cNvPr id="7" name="Content Placeholder 1"/>
-          <p:cNvSpPr txBox="1">
-            <a:spLocks/>
-          </p:cNvSpPr>
-          <p:nvPr/>
-        </p:nvSpPr>
-        <p:spPr>
-          <a:xfrm>
-            <a:off x="395536" y="1700808"/>
-            <a:ext cx="8640960" cy="4680520"/>
-          </a:xfrm>
-          <a:prstGeom prst="rect">
-            <a:avLst/>
-          </a:prstGeom>
-        </p:spPr>
-        <p:txBody>
-          <a:bodyPr/>
-          <a:lstStyle>
-            <a:lvl1pPr marL="342900" indent="-342900" algn="l" rtl="0" eaLnBrk="1" fontAlgn="base" hangingPunct="1">
-              <a:spcBef>
-                <a:spcPct val="20000"/>
-              </a:spcBef>
-              <a:spcAft>
-                <a:spcPct val="0"/>
-              </a:spcAft>
-              <a:defRPr sz="2800">
-                <a:solidFill>
-                  <a:schemeClr val="tx1"/>
-                </a:solidFill>
-                <a:latin typeface="Arial"/>
-                <a:ea typeface="+mn-ea"/>
-                <a:cs typeface="Arial"/>
-              </a:defRPr>
-            </a:lvl1pPr>
-            <a:lvl2pPr marL="742950" indent="-285750" algn="l" rtl="0" eaLnBrk="1" fontAlgn="base" hangingPunct="1">
-              <a:spcBef>
-                <a:spcPct val="20000"/>
-              </a:spcBef>
-              <a:spcAft>
-                <a:spcPct val="0"/>
-              </a:spcAft>
-              <a:buClr>
-                <a:srgbClr val="578CDA"/>
-              </a:buClr>
-              <a:buFont typeface="Times" charset="0"/>
-              <a:buChar char="•"/>
-              <a:defRPr sz="2600">
-                <a:solidFill>
-                  <a:schemeClr val="tx1"/>
-                </a:solidFill>
-                <a:latin typeface="Arial"/>
-                <a:ea typeface="+mn-ea"/>
-                <a:cs typeface="Arial"/>
-              </a:defRPr>
-            </a:lvl2pPr>
-            <a:lvl3pPr marL="1143000" indent="-228600" algn="l" rtl="0" eaLnBrk="1" fontAlgn="base" hangingPunct="1">
-              <a:spcBef>
-                <a:spcPct val="20000"/>
-              </a:spcBef>
-              <a:spcAft>
-                <a:spcPct val="0"/>
-              </a:spcAft>
-              <a:buClr>
-                <a:srgbClr val="578CDA"/>
-              </a:buClr>
-              <a:buFont typeface="Wingdings" charset="0"/>
-              <a:buChar char="§"/>
-              <a:defRPr sz="2400">
-                <a:solidFill>
-                  <a:schemeClr val="tx1"/>
-                </a:solidFill>
-                <a:latin typeface="Arial"/>
-                <a:ea typeface="+mn-ea"/>
-                <a:cs typeface="Arial"/>
-              </a:defRPr>
-            </a:lvl3pPr>
-            <a:lvl4pPr marL="1600200" indent="-228600" algn="l" rtl="0" eaLnBrk="1" fontAlgn="base" hangingPunct="1">
-              <a:spcBef>
-                <a:spcPct val="20000"/>
-              </a:spcBef>
-              <a:spcAft>
-                <a:spcPct val="0"/>
-              </a:spcAft>
-              <a:buClr>
-                <a:srgbClr val="578CDA"/>
-              </a:buClr>
-              <a:buChar char="–"/>
-              <a:defRPr sz="2000">
-                <a:solidFill>
-                  <a:schemeClr val="tx1"/>
-                </a:solidFill>
-                <a:latin typeface="Arial"/>
-                <a:ea typeface="+mn-ea"/>
-                <a:cs typeface="Arial"/>
-              </a:defRPr>
-            </a:lvl4pPr>
-            <a:lvl5pPr marL="2057400" indent="-228600" algn="l" rtl="0" eaLnBrk="1" fontAlgn="base" hangingPunct="1">
-              <a:spcBef>
-                <a:spcPct val="20000"/>
-              </a:spcBef>
-              <a:spcAft>
-                <a:spcPct val="0"/>
-              </a:spcAft>
-              <a:buClr>
-                <a:srgbClr val="578CDA"/>
-              </a:buClr>
-              <a:buChar char="»"/>
-              <a:defRPr sz="2000">
-                <a:solidFill>
-                  <a:schemeClr val="tx1"/>
-                </a:solidFill>
-                <a:latin typeface="Arial"/>
-                <a:ea typeface="+mn-ea"/>
-                <a:cs typeface="Arial"/>
-              </a:defRPr>
-            </a:lvl5pPr>
-            <a:lvl6pPr marL="2514600" indent="-228600" algn="l" rtl="0" eaLnBrk="1" fontAlgn="base" hangingPunct="1">
-              <a:spcBef>
-                <a:spcPct val="20000"/>
-              </a:spcBef>
-              <a:spcAft>
-                <a:spcPct val="0"/>
-              </a:spcAft>
-              <a:buClr>
-                <a:srgbClr val="578CDA"/>
-              </a:buClr>
-              <a:buChar char="»"/>
-              <a:defRPr sz="2000">
-                <a:solidFill>
-                  <a:schemeClr val="tx1"/>
-                </a:solidFill>
-                <a:latin typeface="+mn-lt"/>
-                <a:ea typeface="+mn-ea"/>
-              </a:defRPr>
-            </a:lvl6pPr>
-            <a:lvl7pPr marL="2971800" indent="-228600" algn="l" rtl="0" eaLnBrk="1" fontAlgn="base" hangingPunct="1">
-              <a:spcBef>
-                <a:spcPct val="20000"/>
-              </a:spcBef>
-              <a:spcAft>
-                <a:spcPct val="0"/>
-              </a:spcAft>
-              <a:buClr>
-                <a:srgbClr val="578CDA"/>
-              </a:buClr>
-              <a:buChar char="»"/>
-              <a:defRPr sz="2000">
-                <a:solidFill>
-                  <a:schemeClr val="tx1"/>
-                </a:solidFill>
-                <a:latin typeface="+mn-lt"/>
-                <a:ea typeface="+mn-ea"/>
-              </a:defRPr>
-            </a:lvl7pPr>
-            <a:lvl8pPr marL="3429000" indent="-228600" algn="l" rtl="0" eaLnBrk="1" fontAlgn="base" hangingPunct="1">
-              <a:spcBef>
-                <a:spcPct val="20000"/>
-              </a:spcBef>
-              <a:spcAft>
-                <a:spcPct val="0"/>
-              </a:spcAft>
-              <a:buClr>
-                <a:srgbClr val="578CDA"/>
-              </a:buClr>
-              <a:buChar char="»"/>
-              <a:defRPr sz="2000">
-                <a:solidFill>
-                  <a:schemeClr val="tx1"/>
-                </a:solidFill>
-                <a:latin typeface="+mn-lt"/>
-                <a:ea typeface="+mn-ea"/>
-              </a:defRPr>
-            </a:lvl8pPr>
-            <a:lvl9pPr marL="3886200" indent="-228600" algn="l" rtl="0" eaLnBrk="1" fontAlgn="base" hangingPunct="1">
-              <a:spcBef>
-                <a:spcPct val="20000"/>
-              </a:spcBef>
-              <a:spcAft>
-                <a:spcPct val="0"/>
-              </a:spcAft>
-              <a:buClr>
-                <a:srgbClr val="578CDA"/>
-              </a:buClr>
-              <a:buChar char="»"/>
-              <a:defRPr sz="2000">
-                <a:solidFill>
-                  <a:schemeClr val="tx1"/>
-                </a:solidFill>
-                <a:latin typeface="+mn-lt"/>
-                <a:ea typeface="+mn-ea"/>
-              </a:defRPr>
-            </a:lvl9pPr>
-          </a:lstStyle>
-          <a:p>
-            <a:pPr>
-              <a:buFont typeface="Arial" panose="020B0604020202020204" pitchFamily="34" charset="0"/>
-              <a:buChar char="•"/>
-            </a:pPr>
-            <a:endParaRPr lang="en-US" sz="1800" dirty="0"/>
-          </a:p>
-          <a:p>
-            <a:pPr lvl="1"/>
-            <a:endParaRPr lang="en-US" sz="1800" dirty="0"/>
-          </a:p>
-        </p:txBody>
-      </p:sp>
-      <p:sp>
-        <p:nvSpPr>
-          <p:cNvPr id="2" name="TextBox 1"/>
-          <p:cNvSpPr txBox="1"/>
-          <p:nvPr/>
-        </p:nvSpPr>
-        <p:spPr>
-          <a:xfrm>
-            <a:off x="1615990" y="4509120"/>
-            <a:ext cx="4903907" cy="461665"/>
-          </a:xfrm>
-          <a:prstGeom prst="rect">
-            <a:avLst/>
-          </a:prstGeom>
-          <a:noFill/>
-        </p:spPr>
-        <p:txBody>
-          <a:bodyPr wrap="none" rtlCol="0">
-            <a:spAutoFit/>
-          </a:bodyPr>
-          <a:lstStyle/>
-          <a:p>
-            <a:r>
-              <a:rPr lang="zh-TW" altLang="en-US" dirty="0">
-                <a:solidFill>
-                  <a:schemeClr val="bg1"/>
-                </a:solidFill>
-              </a:rPr>
-              <a:t>爭咩呀，溝埋黎做懶尿牛丸呀，笨！</a:t>
-            </a:r>
-            <a:endParaRPr lang="en-US" dirty="0">
-              <a:solidFill>
-                <a:schemeClr val="bg1"/>
-              </a:solidFill>
-            </a:endParaRPr>
-          </a:p>
-        </p:txBody>
-      </p:sp>
-      <p:sp>
-        <p:nvSpPr>
-          <p:cNvPr id="8" name="TextBox 7"/>
-          <p:cNvSpPr txBox="1"/>
-          <p:nvPr/>
-        </p:nvSpPr>
-        <p:spPr>
-          <a:xfrm>
-            <a:off x="395536" y="1858469"/>
-            <a:ext cx="7272808" cy="5078313"/>
-          </a:xfrm>
-          <a:prstGeom prst="rect">
-            <a:avLst/>
-          </a:prstGeom>
-          <a:noFill/>
-        </p:spPr>
-        <p:txBody>
-          <a:bodyPr wrap="square" rtlCol="0">
-            <a:spAutoFit/>
-          </a:bodyPr>
-          <a:lstStyle/>
-          <a:p>
-            <a:pPr marL="285750" indent="-285750">
-              <a:buFont typeface="Arial" panose="020B0604020202020204" pitchFamily="34" charset="0"/>
-              <a:buChar char="•"/>
-            </a:pPr>
-            <a:r>
-              <a:rPr lang="en-US" b="1" dirty="0" err="1" smtClean="0"/>
-              <a:t>BloombergGPT</a:t>
-            </a:r>
-            <a:endParaRPr lang="en-US" dirty="0" smtClean="0"/>
-          </a:p>
-          <a:p>
-            <a:pPr marL="742950" lvl="1" indent="-285750">
-              <a:buFont typeface="Arial" panose="020B0604020202020204" pitchFamily="34" charset="0"/>
-              <a:buChar char="•"/>
-            </a:pPr>
-            <a:r>
-              <a:rPr lang="en-US" dirty="0" smtClean="0"/>
-              <a:t>pre-trained with </a:t>
-            </a:r>
-            <a:r>
-              <a:rPr lang="en-US" b="1" dirty="0" smtClean="0">
-                <a:solidFill>
-                  <a:srgbClr val="0070C0"/>
-                </a:solidFill>
-              </a:rPr>
-              <a:t>363 billion </a:t>
-            </a:r>
-            <a:r>
-              <a:rPr lang="en-US" dirty="0" smtClean="0"/>
-              <a:t>text tokens from BBG data source</a:t>
-            </a:r>
-          </a:p>
-          <a:p>
-            <a:pPr marL="742950" lvl="1" indent="-285750">
-              <a:buFont typeface="Arial" panose="020B0604020202020204" pitchFamily="34" charset="0"/>
-              <a:buChar char="•"/>
-            </a:pPr>
-            <a:r>
-              <a:rPr lang="en-US" b="1" dirty="0">
-                <a:solidFill>
-                  <a:srgbClr val="0070C0"/>
-                </a:solidFill>
-              </a:rPr>
-              <a:t>53 days </a:t>
-            </a:r>
-            <a:r>
-              <a:rPr lang="en-US" dirty="0" smtClean="0"/>
-              <a:t>with </a:t>
-            </a:r>
-            <a:r>
-              <a:rPr lang="en-US" b="1" dirty="0">
-                <a:solidFill>
-                  <a:srgbClr val="0070C0"/>
-                </a:solidFill>
-              </a:rPr>
-              <a:t>64 x 8 nVidia-A100 GPUs </a:t>
-            </a:r>
-            <a:r>
-              <a:rPr lang="en-US" dirty="0"/>
-              <a:t>on</a:t>
-            </a:r>
-            <a:r>
-              <a:rPr lang="en-US" b="1" dirty="0" smtClean="0">
-                <a:solidFill>
-                  <a:srgbClr val="0070C0"/>
-                </a:solidFill>
-              </a:rPr>
-              <a:t> AWS cloud</a:t>
-            </a:r>
-            <a:endParaRPr lang="en-US" b="1" dirty="0">
-              <a:solidFill>
-                <a:srgbClr val="0070C0"/>
-              </a:solidFill>
-            </a:endParaRPr>
-          </a:p>
-          <a:p>
-            <a:pPr marL="742950" lvl="1" indent="-285750">
-              <a:buFont typeface="Arial" panose="020B0604020202020204" pitchFamily="34" charset="0"/>
-              <a:buChar char="•"/>
-            </a:pPr>
-            <a:r>
-              <a:rPr lang="en-US" dirty="0" smtClean="0"/>
-              <a:t>Cost </a:t>
-            </a:r>
-            <a:r>
-              <a:rPr lang="en-US" dirty="0"/>
-              <a:t>of around </a:t>
-            </a:r>
-            <a:r>
-              <a:rPr lang="en-US" b="1" dirty="0">
-                <a:solidFill>
-                  <a:srgbClr val="0070C0"/>
-                </a:solidFill>
-              </a:rPr>
-              <a:t>US$ 3M</a:t>
-            </a:r>
-          </a:p>
-          <a:p>
-            <a:pPr marL="285750" indent="-285750">
-              <a:buFont typeface="Arial" panose="020B0604020202020204" pitchFamily="34" charset="0"/>
-              <a:buChar char="•"/>
-            </a:pPr>
-            <a:endParaRPr lang="en-US" dirty="0" smtClean="0"/>
-          </a:p>
-          <a:p>
-            <a:pPr marL="285750" indent="-285750">
-              <a:buFont typeface="Arial" panose="020B0604020202020204" pitchFamily="34" charset="0"/>
-              <a:buChar char="•"/>
-            </a:pPr>
-            <a:endParaRPr lang="en-US" dirty="0" smtClean="0"/>
-          </a:p>
-          <a:p>
-            <a:pPr marL="285750" indent="-285750">
-              <a:buFont typeface="Arial" panose="020B0604020202020204" pitchFamily="34" charset="0"/>
-              <a:buChar char="•"/>
-            </a:pPr>
-            <a:r>
-              <a:rPr lang="en-US" b="1" dirty="0" err="1" smtClean="0"/>
-              <a:t>FinGPT</a:t>
-            </a:r>
-            <a:endParaRPr lang="en-US" b="1" dirty="0"/>
-          </a:p>
-          <a:p>
-            <a:pPr marL="742950" lvl="1" indent="-285750">
-              <a:buFont typeface="Arial" panose="020B0604020202020204" pitchFamily="34" charset="0"/>
-              <a:buChar char="•"/>
-            </a:pPr>
-            <a:r>
-              <a:rPr lang="en-US" dirty="0" smtClean="0"/>
-              <a:t>based on open source LLMs (e.g. LlaMA-2)</a:t>
-            </a:r>
-          </a:p>
-          <a:p>
-            <a:pPr marL="742950" lvl="1" indent="-285750">
-              <a:buFont typeface="Arial" panose="020B0604020202020204" pitchFamily="34" charset="0"/>
-              <a:buChar char="•"/>
-            </a:pPr>
-            <a:r>
-              <a:rPr lang="en-US" dirty="0" smtClean="0"/>
-              <a:t>instruction fine-tuned by Financial related data</a:t>
-            </a:r>
-          </a:p>
-          <a:p>
-            <a:pPr marL="742950" lvl="1" indent="-285750">
-              <a:buFont typeface="Arial" panose="020B0604020202020204" pitchFamily="34" charset="0"/>
-              <a:buChar char="•"/>
-            </a:pPr>
-            <a:r>
-              <a:rPr lang="en-US" dirty="0" err="1" smtClean="0">
-                <a:hlinkClick r:id="rId2"/>
-              </a:rPr>
-              <a:t>FinGPT</a:t>
-            </a:r>
-            <a:r>
-              <a:rPr lang="en-US" dirty="0" smtClean="0">
-                <a:hlinkClick r:id="rId2"/>
-              </a:rPr>
-              <a:t>-Forecaster</a:t>
-            </a:r>
-            <a:r>
-              <a:rPr lang="en-US" dirty="0" smtClean="0"/>
-              <a:t> </a:t>
-            </a:r>
-            <a:r>
-              <a:rPr lang="en-US" dirty="0" smtClean="0"/>
-              <a:t>Demo </a:t>
-            </a:r>
-            <a:endParaRPr lang="en-US" dirty="0" smtClean="0"/>
-          </a:p>
-          <a:p>
-            <a:pPr marL="285750" indent="-285750">
-              <a:buFont typeface="Arial" panose="020B0604020202020204" pitchFamily="34" charset="0"/>
-              <a:buChar char="•"/>
-            </a:pPr>
-            <a:endParaRPr lang="en-US" dirty="0" smtClean="0"/>
-          </a:p>
-          <a:p>
-            <a:pPr marL="285750" indent="-285750">
-              <a:buFont typeface="Arial" panose="020B0604020202020204" pitchFamily="34" charset="0"/>
-              <a:buChar char="•"/>
-            </a:pPr>
-            <a:endParaRPr lang="en-US" dirty="0" smtClean="0"/>
-          </a:p>
-          <a:p>
-            <a:pPr marL="285750" indent="-285750">
-              <a:buFont typeface="Arial" panose="020B0604020202020204" pitchFamily="34" charset="0"/>
-              <a:buChar char="•"/>
-            </a:pPr>
-            <a:r>
-              <a:rPr lang="en-US" b="1" dirty="0" err="1" smtClean="0"/>
-              <a:t>InvestLM</a:t>
-            </a:r>
-            <a:r>
-              <a:rPr lang="en-US" b="1" dirty="0" smtClean="0"/>
-              <a:t> </a:t>
-            </a:r>
-            <a:r>
-              <a:rPr lang="en-US" b="1" dirty="0" smtClean="0"/>
-              <a:t>from HKUST </a:t>
-            </a:r>
-            <a:endParaRPr lang="en-US" b="1" dirty="0" smtClean="0"/>
-          </a:p>
-          <a:p>
-            <a:pPr marL="742950" lvl="1" indent="-285750">
-              <a:buFont typeface="Arial" panose="020B0604020202020204" pitchFamily="34" charset="0"/>
-              <a:buChar char="•"/>
-            </a:pPr>
-            <a:r>
-              <a:rPr lang="en-US" dirty="0"/>
-              <a:t>based on open source LLMs </a:t>
-            </a:r>
-            <a:r>
-              <a:rPr lang="en-US" dirty="0" smtClean="0"/>
-              <a:t>(LlaMA-65B)</a:t>
-            </a:r>
-          </a:p>
-          <a:p>
-            <a:pPr marL="742950" lvl="1" indent="-285750">
-              <a:buFont typeface="Arial" panose="020B0604020202020204" pitchFamily="34" charset="0"/>
-              <a:buChar char="•"/>
-            </a:pPr>
-            <a:r>
-              <a:rPr lang="en-US" dirty="0"/>
-              <a:t>instruction fine-tuned dataset </a:t>
-            </a:r>
-            <a:r>
-              <a:rPr lang="en-US" dirty="0" smtClean="0"/>
-              <a:t>related to financial </a:t>
-            </a:r>
-            <a:r>
-              <a:rPr lang="en-US" dirty="0"/>
-              <a:t>investment</a:t>
-            </a:r>
-          </a:p>
-          <a:p>
-            <a:pPr marL="742950" lvl="1" indent="-285750">
-              <a:buFont typeface="Arial" panose="020B0604020202020204" pitchFamily="34" charset="0"/>
-              <a:buChar char="•"/>
-            </a:pPr>
-            <a:endParaRPr lang="en-US" dirty="0"/>
-          </a:p>
-          <a:p>
-            <a:pPr marL="742950" lvl="1" indent="-285750">
-              <a:buFont typeface="Arial" panose="020B0604020202020204" pitchFamily="34" charset="0"/>
-              <a:buChar char="•"/>
-            </a:pPr>
-            <a:endParaRPr lang="en-US" dirty="0" smtClean="0"/>
-          </a:p>
-          <a:p>
-            <a:endParaRPr lang="en-US" dirty="0"/>
-          </a:p>
-        </p:txBody>
-      </p:sp>
-    </p:spTree>
-    <p:extLst>
-      <p:ext uri="{BB962C8B-B14F-4D97-AF65-F5344CB8AC3E}">
-        <p14:creationId xmlns:p14="http://schemas.microsoft.com/office/powerpoint/2010/main" val="1365017632"/>
-      </p:ext>
-    </p:extLst>
-  </p:cSld>
-  <p:clrMapOvr>
-    <a:masterClrMapping/>
-  </p:clrMapOvr>
-  <p:timing>
-    <p:tnLst>
-      <p:par>
-        <p:cTn id="1" dur="indefinite" restart="never" nodeType="tmRoot"/>
-      </p:par>
-    </p:tnLst>
   </p:timing>
 </p:sld>
 </file>

--- a/slides/GenAI.pptx
+++ b/slides/GenAI.pptx
@@ -223,7 +223,7 @@
           <a:p>
             <a:fld id="{D0EA42D5-46ED-425E-8FB5-CA0A29C7E1CB}" type="datetimeFigureOut">
               <a:rPr lang="en-US" smtClean="0"/>
-              <a:t>1/16/2024</a:t>
+              <a:t>1/19/2024</a:t>
             </a:fld>
             <a:endParaRPr lang="en-US"/>
           </a:p>
@@ -1189,7 +1189,7 @@
           <a:p>
             <a:fld id="{568F1BE0-2857-43BE-B44C-9821D9EE118C}" type="datetimeFigureOut">
               <a:rPr lang="en-US" smtClean="0"/>
-              <a:t>1/16/2024</a:t>
+              <a:t>1/19/2024</a:t>
             </a:fld>
             <a:endParaRPr lang="en-US"/>
           </a:p>
@@ -1389,7 +1389,7 @@
           <a:p>
             <a:fld id="{568F1BE0-2857-43BE-B44C-9821D9EE118C}" type="datetimeFigureOut">
               <a:rPr lang="en-US" smtClean="0"/>
-              <a:t>1/16/2024</a:t>
+              <a:t>1/19/2024</a:t>
             </a:fld>
             <a:endParaRPr lang="en-US"/>
           </a:p>
@@ -1564,7 +1564,7 @@
           <a:p>
             <a:fld id="{568F1BE0-2857-43BE-B44C-9821D9EE118C}" type="datetimeFigureOut">
               <a:rPr lang="en-US" smtClean="0"/>
-              <a:t>1/16/2024</a:t>
+              <a:t>1/19/2024</a:t>
             </a:fld>
             <a:endParaRPr lang="en-US"/>
           </a:p>
@@ -1729,7 +1729,7 @@
           <a:p>
             <a:fld id="{568F1BE0-2857-43BE-B44C-9821D9EE118C}" type="datetimeFigureOut">
               <a:rPr lang="en-US" smtClean="0"/>
-              <a:t>1/16/2024</a:t>
+              <a:t>1/19/2024</a:t>
             </a:fld>
             <a:endParaRPr lang="en-US"/>
           </a:p>
@@ -1977,7 +1977,7 @@
           <a:p>
             <a:fld id="{568F1BE0-2857-43BE-B44C-9821D9EE118C}" type="datetimeFigureOut">
               <a:rPr lang="en-US" smtClean="0"/>
-              <a:t>1/16/2024</a:t>
+              <a:t>1/19/2024</a:t>
             </a:fld>
             <a:endParaRPr lang="en-US"/>
           </a:p>
@@ -2295,7 +2295,7 @@
           <a:p>
             <a:fld id="{568F1BE0-2857-43BE-B44C-9821D9EE118C}" type="datetimeFigureOut">
               <a:rPr lang="en-US" smtClean="0"/>
-              <a:t>1/16/2024</a:t>
+              <a:t>1/19/2024</a:t>
             </a:fld>
             <a:endParaRPr lang="en-US"/>
           </a:p>
@@ -2761,7 +2761,7 @@
           <a:p>
             <a:fld id="{568F1BE0-2857-43BE-B44C-9821D9EE118C}" type="datetimeFigureOut">
               <a:rPr lang="en-US" smtClean="0"/>
-              <a:t>1/16/2024</a:t>
+              <a:t>1/19/2024</a:t>
             </a:fld>
             <a:endParaRPr lang="en-US"/>
           </a:p>
@@ -2909,7 +2909,7 @@
           <a:p>
             <a:fld id="{568F1BE0-2857-43BE-B44C-9821D9EE118C}" type="datetimeFigureOut">
               <a:rPr lang="en-US" smtClean="0"/>
-              <a:t>1/16/2024</a:t>
+              <a:t>1/19/2024</a:t>
             </a:fld>
             <a:endParaRPr lang="en-US"/>
           </a:p>
@@ -2999,7 +2999,7 @@
           <a:p>
             <a:fld id="{568F1BE0-2857-43BE-B44C-9821D9EE118C}" type="datetimeFigureOut">
               <a:rPr lang="en-US" smtClean="0"/>
-              <a:t>1/16/2024</a:t>
+              <a:t>1/19/2024</a:t>
             </a:fld>
             <a:endParaRPr lang="en-US"/>
           </a:p>
@@ -3273,7 +3273,7 @@
           <a:p>
             <a:fld id="{568F1BE0-2857-43BE-B44C-9821D9EE118C}" type="datetimeFigureOut">
               <a:rPr lang="en-US" smtClean="0"/>
-              <a:t>1/16/2024</a:t>
+              <a:t>1/19/2024</a:t>
             </a:fld>
             <a:endParaRPr lang="en-US"/>
           </a:p>
@@ -3578,7 +3578,7 @@
           <a:p>
             <a:fld id="{568F1BE0-2857-43BE-B44C-9821D9EE118C}" type="datetimeFigureOut">
               <a:rPr lang="en-US" smtClean="0"/>
-              <a:t>1/16/2024</a:t>
+              <a:t>1/19/2024</a:t>
             </a:fld>
             <a:endParaRPr lang="en-US"/>
           </a:p>
@@ -3876,7 +3876,7 @@
           <a:p>
             <a:fld id="{568F1BE0-2857-43BE-B44C-9821D9EE118C}" type="datetimeFigureOut">
               <a:rPr lang="en-US" smtClean="0"/>
-              <a:t>1/16/2024</a:t>
+              <a:t>1/19/2024</a:t>
             </a:fld>
             <a:endParaRPr lang="en-US"/>
           </a:p>
@@ -5030,7 +5030,6 @@
               <a:rPr lang="en-US" dirty="0"/>
               <a:t>from language models</a:t>
             </a:r>
-            <a:endParaRPr lang="en-US" dirty="0"/>
           </a:p>
         </p:txBody>
       </p:sp>
@@ -10046,7 +10045,7 @@
         </p:blipFill>
         <p:spPr bwMode="auto">
           <a:xfrm>
-            <a:off x="971600" y="1716782"/>
+            <a:off x="2130215" y="1710662"/>
             <a:ext cx="5946985" cy="4016474"/>
           </a:xfrm>
           <a:prstGeom prst="rect">
@@ -10077,16 +10076,40 @@
           </a:extLst>
         </p:spPr>
       </p:pic>
-      <p:sp>
-        <p:nvSpPr>
-          <p:cNvPr id="6" name="TextBox 5"/>
+      <p:pic>
+        <p:nvPicPr>
+          <p:cNvPr id="4" name="Picture 3"/>
+          <p:cNvPicPr>
+            <a:picLocks noChangeAspect="1"/>
+          </p:cNvPicPr>
+          <p:nvPr/>
+        </p:nvPicPr>
+        <p:blipFill>
+          <a:blip r:embed="rId4"/>
+          <a:stretch>
+            <a:fillRect/>
+          </a:stretch>
+        </p:blipFill>
+        <p:spPr>
+          <a:xfrm>
+            <a:off x="395536" y="2780928"/>
+            <a:ext cx="3038475" cy="2933700"/>
+          </a:xfrm>
+          <a:prstGeom prst="rect">
+            <a:avLst/>
+          </a:prstGeom>
+        </p:spPr>
+      </p:pic>
+      <p:sp>
+        <p:nvSpPr>
+          <p:cNvPr id="8" name="TextBox 7"/>
           <p:cNvSpPr txBox="1"/>
           <p:nvPr/>
         </p:nvSpPr>
         <p:spPr>
           <a:xfrm>
-            <a:off x="3347864" y="6059033"/>
-            <a:ext cx="2736304" cy="646331"/>
+            <a:off x="1063256" y="5943612"/>
+            <a:ext cx="5380952" cy="646331"/>
           </a:xfrm>
           <a:prstGeom prst="rect">
             <a:avLst/>
@@ -10099,30 +10122,34 @@
           </a:bodyPr>
           <a:lstStyle/>
           <a:p>
-            <a:pPr marL="0" lvl="1"/>
-            <a:r>
-              <a:rPr lang="en-US" sz="1800" dirty="0" smtClean="0">
-                <a:solidFill>
-                  <a:srgbClr val="00B050"/>
-                </a:solidFill>
-                <a:hlinkClick r:id="rId4"/>
+            <a:r>
+              <a:rPr lang="en-US" b="1" dirty="0" smtClean="0"/>
+              <a:t>3D vector</a:t>
+            </a:r>
+            <a:r>
+              <a:rPr lang="en-US" dirty="0" smtClean="0"/>
+              <a:t>: [1, 2, 3], [1, 4, 6], [3, 4, 7] …</a:t>
+            </a:r>
+            <a:br>
+              <a:rPr lang="en-US" dirty="0" smtClean="0"/>
+            </a:br>
+            <a:r>
+              <a:rPr lang="en-US" dirty="0" smtClean="0"/>
+              <a:t>Calculate </a:t>
+            </a:r>
+            <a:r>
+              <a:rPr lang="en-US" b="1" dirty="0" smtClean="0">
+                <a:solidFill>
+                  <a:srgbClr val="0070C0"/>
+                </a:solidFill>
               </a:rPr>
-              <a:t>Interactive </a:t>
-            </a:r>
-            <a:r>
-              <a:rPr lang="en-US" sz="1800" dirty="0">
-                <a:solidFill>
-                  <a:srgbClr val="00B050"/>
-                </a:solidFill>
-                <a:hlinkClick r:id="rId4"/>
-              </a:rPr>
-              <a:t>Demo</a:t>
-            </a:r>
-            <a:endParaRPr lang="en-US" sz="1800" dirty="0"/>
-          </a:p>
-          <a:p>
-            <a:pPr marL="0" lvl="1"/>
-            <a:endParaRPr lang="en-US" sz="1800" dirty="0"/>
+              <a:t>vector distance</a:t>
+            </a:r>
+            <a:endParaRPr lang="en-US" b="1" dirty="0">
+              <a:solidFill>
+                <a:srgbClr val="0070C0"/>
+              </a:solidFill>
+            </a:endParaRPr>
           </a:p>
         </p:txBody>
       </p:sp>
@@ -10139,9 +10166,107 @@
   <p:timing>
     <p:tnLst>
       <p:par>
-        <p:cTn id="1" dur="indefinite" restart="never" nodeType="tmRoot"/>
+        <p:cTn id="1" dur="indefinite" restart="never" nodeType="tmRoot">
+          <p:childTnLst>
+            <p:seq concurrent="1" nextAc="seek">
+              <p:cTn id="2" dur="indefinite" nodeType="mainSeq">
+                <p:childTnLst>
+                  <p:par>
+                    <p:cTn id="3" fill="hold">
+                      <p:stCondLst>
+                        <p:cond delay="indefinite"/>
+                      </p:stCondLst>
+                      <p:childTnLst>
+                        <p:par>
+                          <p:cTn id="4" fill="hold">
+                            <p:stCondLst>
+                              <p:cond delay="0"/>
+                            </p:stCondLst>
+                            <p:childTnLst>
+                              <p:par>
+                                <p:cTn id="5" presetID="1" presetClass="entr" presetSubtype="0" fill="hold" nodeType="clickEffect">
+                                  <p:stCondLst>
+                                    <p:cond delay="0"/>
+                                  </p:stCondLst>
+                                  <p:childTnLst>
+                                    <p:set>
+                                      <p:cBhvr>
+                                        <p:cTn id="6" dur="1" fill="hold">
+                                          <p:stCondLst>
+                                            <p:cond delay="0"/>
+                                          </p:stCondLst>
+                                        </p:cTn>
+                                        <p:tgtEl>
+                                          <p:spTgt spid="4"/>
+                                        </p:tgtEl>
+                                        <p:attrNameLst>
+                                          <p:attrName>style.visibility</p:attrName>
+                                        </p:attrNameLst>
+                                      </p:cBhvr>
+                                      <p:to>
+                                        <p:strVal val="visible"/>
+                                      </p:to>
+                                    </p:set>
+                                  </p:childTnLst>
+                                </p:cTn>
+                              </p:par>
+                              <p:par>
+                                <p:cTn id="7" presetID="1" presetClass="entr" presetSubtype="0" fill="hold" grpId="0" nodeType="withEffect">
+                                  <p:stCondLst>
+                                    <p:cond delay="0"/>
+                                  </p:stCondLst>
+                                  <p:childTnLst>
+                                    <p:set>
+                                      <p:cBhvr>
+                                        <p:cTn id="8" dur="1" fill="hold">
+                                          <p:stCondLst>
+                                            <p:cond delay="0"/>
+                                          </p:stCondLst>
+                                        </p:cTn>
+                                        <p:tgtEl>
+                                          <p:spTgt spid="8"/>
+                                        </p:tgtEl>
+                                        <p:attrNameLst>
+                                          <p:attrName>style.visibility</p:attrName>
+                                        </p:attrNameLst>
+                                      </p:cBhvr>
+                                      <p:to>
+                                        <p:strVal val="visible"/>
+                                      </p:to>
+                                    </p:set>
+                                  </p:childTnLst>
+                                </p:cTn>
+                              </p:par>
+                            </p:childTnLst>
+                          </p:cTn>
+                        </p:par>
+                      </p:childTnLst>
+                    </p:cTn>
+                  </p:par>
+                </p:childTnLst>
+              </p:cTn>
+              <p:prevCondLst>
+                <p:cond evt="onPrev" delay="0">
+                  <p:tgtEl>
+                    <p:sldTgt/>
+                  </p:tgtEl>
+                </p:cond>
+              </p:prevCondLst>
+              <p:nextCondLst>
+                <p:cond evt="onNext" delay="0">
+                  <p:tgtEl>
+                    <p:sldTgt/>
+                  </p:tgtEl>
+                </p:cond>
+              </p:nextCondLst>
+            </p:seq>
+          </p:childTnLst>
+        </p:cTn>
       </p:par>
     </p:tnLst>
+    <p:bldLst>
+      <p:bldP spid="8" grpId="0"/>
+    </p:bldLst>
   </p:timing>
 </p:sld>
 </file>
@@ -10227,11 +10352,7 @@
           <a:p>
             <a:r>
               <a:rPr lang="en-US" dirty="0" smtClean="0"/>
-              <a:t>Word2Vec </a:t>
-            </a:r>
-            <a:r>
-              <a:rPr lang="en-US" dirty="0" smtClean="0"/>
-              <a:t>to Transformers</a:t>
+              <a:t>Word2Vec to Transformers</a:t>
             </a:r>
             <a:endParaRPr lang="en-US" dirty="0"/>
           </a:p>
@@ -11641,7 +11762,6 @@
               <a:rPr lang="en-US" dirty="0"/>
               <a:t> words, sentences, paragraphs to predict next word (vector)</a:t>
             </a:r>
-            <a:endParaRPr lang="en-US" dirty="0"/>
           </a:p>
         </p:txBody>
       </p:sp>

--- a/slides/GenAI.pptx
+++ b/slides/GenAI.pptx
@@ -223,7 +223,7 @@
           <a:p>
             <a:fld id="{D0EA42D5-46ED-425E-8FB5-CA0A29C7E1CB}" type="datetimeFigureOut">
               <a:rPr lang="en-US" smtClean="0"/>
-              <a:t>1/19/2024</a:t>
+              <a:t>1/22/2024</a:t>
             </a:fld>
             <a:endParaRPr lang="en-US"/>
           </a:p>
@@ -1189,7 +1189,7 @@
           <a:p>
             <a:fld id="{568F1BE0-2857-43BE-B44C-9821D9EE118C}" type="datetimeFigureOut">
               <a:rPr lang="en-US" smtClean="0"/>
-              <a:t>1/19/2024</a:t>
+              <a:t>1/22/2024</a:t>
             </a:fld>
             <a:endParaRPr lang="en-US"/>
           </a:p>
@@ -1389,7 +1389,7 @@
           <a:p>
             <a:fld id="{568F1BE0-2857-43BE-B44C-9821D9EE118C}" type="datetimeFigureOut">
               <a:rPr lang="en-US" smtClean="0"/>
-              <a:t>1/19/2024</a:t>
+              <a:t>1/22/2024</a:t>
             </a:fld>
             <a:endParaRPr lang="en-US"/>
           </a:p>
@@ -1564,7 +1564,7 @@
           <a:p>
             <a:fld id="{568F1BE0-2857-43BE-B44C-9821D9EE118C}" type="datetimeFigureOut">
               <a:rPr lang="en-US" smtClean="0"/>
-              <a:t>1/19/2024</a:t>
+              <a:t>1/22/2024</a:t>
             </a:fld>
             <a:endParaRPr lang="en-US"/>
           </a:p>
@@ -1729,7 +1729,7 @@
           <a:p>
             <a:fld id="{568F1BE0-2857-43BE-B44C-9821D9EE118C}" type="datetimeFigureOut">
               <a:rPr lang="en-US" smtClean="0"/>
-              <a:t>1/19/2024</a:t>
+              <a:t>1/22/2024</a:t>
             </a:fld>
             <a:endParaRPr lang="en-US"/>
           </a:p>
@@ -1977,7 +1977,7 @@
           <a:p>
             <a:fld id="{568F1BE0-2857-43BE-B44C-9821D9EE118C}" type="datetimeFigureOut">
               <a:rPr lang="en-US" smtClean="0"/>
-              <a:t>1/19/2024</a:t>
+              <a:t>1/22/2024</a:t>
             </a:fld>
             <a:endParaRPr lang="en-US"/>
           </a:p>
@@ -2295,7 +2295,7 @@
           <a:p>
             <a:fld id="{568F1BE0-2857-43BE-B44C-9821D9EE118C}" type="datetimeFigureOut">
               <a:rPr lang="en-US" smtClean="0"/>
-              <a:t>1/19/2024</a:t>
+              <a:t>1/22/2024</a:t>
             </a:fld>
             <a:endParaRPr lang="en-US"/>
           </a:p>
@@ -2761,7 +2761,7 @@
           <a:p>
             <a:fld id="{568F1BE0-2857-43BE-B44C-9821D9EE118C}" type="datetimeFigureOut">
               <a:rPr lang="en-US" smtClean="0"/>
-              <a:t>1/19/2024</a:t>
+              <a:t>1/22/2024</a:t>
             </a:fld>
             <a:endParaRPr lang="en-US"/>
           </a:p>
@@ -2909,7 +2909,7 @@
           <a:p>
             <a:fld id="{568F1BE0-2857-43BE-B44C-9821D9EE118C}" type="datetimeFigureOut">
               <a:rPr lang="en-US" smtClean="0"/>
-              <a:t>1/19/2024</a:t>
+              <a:t>1/22/2024</a:t>
             </a:fld>
             <a:endParaRPr lang="en-US"/>
           </a:p>
@@ -2999,7 +2999,7 @@
           <a:p>
             <a:fld id="{568F1BE0-2857-43BE-B44C-9821D9EE118C}" type="datetimeFigureOut">
               <a:rPr lang="en-US" smtClean="0"/>
-              <a:t>1/19/2024</a:t>
+              <a:t>1/22/2024</a:t>
             </a:fld>
             <a:endParaRPr lang="en-US"/>
           </a:p>
@@ -3273,7 +3273,7 @@
           <a:p>
             <a:fld id="{568F1BE0-2857-43BE-B44C-9821D9EE118C}" type="datetimeFigureOut">
               <a:rPr lang="en-US" smtClean="0"/>
-              <a:t>1/19/2024</a:t>
+              <a:t>1/22/2024</a:t>
             </a:fld>
             <a:endParaRPr lang="en-US"/>
           </a:p>
@@ -3578,7 +3578,7 @@
           <a:p>
             <a:fld id="{568F1BE0-2857-43BE-B44C-9821D9EE118C}" type="datetimeFigureOut">
               <a:rPr lang="en-US" smtClean="0"/>
-              <a:t>1/19/2024</a:t>
+              <a:t>1/22/2024</a:t>
             </a:fld>
             <a:endParaRPr lang="en-US"/>
           </a:p>
@@ -3876,7 +3876,7 @@
           <a:p>
             <a:fld id="{568F1BE0-2857-43BE-B44C-9821D9EE118C}" type="datetimeFigureOut">
               <a:rPr lang="en-US" smtClean="0"/>
-              <a:t>1/19/2024</a:t>
+              <a:t>1/22/2024</a:t>
             </a:fld>
             <a:endParaRPr lang="en-US"/>
           </a:p>
@@ -5968,14 +5968,555 @@
       </p:sp>
       <p:sp>
         <p:nvSpPr>
-          <p:cNvPr id="2" name="TextBox 1"/>
+          <p:cNvPr id="4" name="Flowchart: Multidocument 3"/>
+          <p:cNvSpPr/>
+          <p:nvPr/>
+        </p:nvSpPr>
+        <p:spPr>
+          <a:xfrm>
+            <a:off x="539552" y="5478360"/>
+            <a:ext cx="1060704" cy="758952"/>
+          </a:xfrm>
+          <a:prstGeom prst="flowChartMultidocument">
+            <a:avLst/>
+          </a:prstGeom>
+        </p:spPr>
+        <p:style>
+          <a:lnRef idx="2">
+            <a:schemeClr val="dk1"/>
+          </a:lnRef>
+          <a:fillRef idx="1">
+            <a:schemeClr val="lt1"/>
+          </a:fillRef>
+          <a:effectRef idx="0">
+            <a:schemeClr val="dk1"/>
+          </a:effectRef>
+          <a:fontRef idx="minor">
+            <a:schemeClr val="dk1"/>
+          </a:fontRef>
+        </p:style>
+        <p:txBody>
+          <a:bodyPr rtlCol="0" anchor="ctr"/>
+          <a:lstStyle/>
+          <a:p>
+            <a:pPr algn="ctr"/>
+            <a:endParaRPr lang="en-US"/>
+          </a:p>
+        </p:txBody>
+      </p:sp>
+      <p:sp>
+        <p:nvSpPr>
+          <p:cNvPr id="6" name="Rectangle 5"/>
+          <p:cNvSpPr/>
+          <p:nvPr/>
+        </p:nvSpPr>
+        <p:spPr>
+          <a:xfrm>
+            <a:off x="3707904" y="5512604"/>
+            <a:ext cx="1656185" cy="652700"/>
+          </a:xfrm>
+          <a:prstGeom prst="rect">
+            <a:avLst/>
+          </a:prstGeom>
+        </p:spPr>
+        <p:style>
+          <a:lnRef idx="2">
+            <a:schemeClr val="dk1"/>
+          </a:lnRef>
+          <a:fillRef idx="1">
+            <a:schemeClr val="lt1"/>
+          </a:fillRef>
+          <a:effectRef idx="0">
+            <a:schemeClr val="dk1"/>
+          </a:effectRef>
+          <a:fontRef idx="minor">
+            <a:schemeClr val="dk1"/>
+          </a:fontRef>
+        </p:style>
+        <p:txBody>
+          <a:bodyPr rtlCol="0" anchor="ctr"/>
+          <a:lstStyle/>
+          <a:p>
+            <a:pPr algn="ctr"/>
+            <a:r>
+              <a:rPr lang="en-US" dirty="0" smtClean="0"/>
+              <a:t>Embedding Model</a:t>
+            </a:r>
+            <a:endParaRPr lang="en-US" dirty="0"/>
+          </a:p>
+        </p:txBody>
+      </p:sp>
+      <p:sp>
+        <p:nvSpPr>
+          <p:cNvPr id="8" name="Flowchart: Magnetic Disk 7"/>
+          <p:cNvSpPr/>
+          <p:nvPr/>
+        </p:nvSpPr>
+        <p:spPr>
+          <a:xfrm>
+            <a:off x="3923927" y="3140968"/>
+            <a:ext cx="1248429" cy="1512168"/>
+          </a:xfrm>
+          <a:prstGeom prst="flowChartMagneticDisk">
+            <a:avLst/>
+          </a:prstGeom>
+        </p:spPr>
+        <p:style>
+          <a:lnRef idx="2">
+            <a:schemeClr val="dk1"/>
+          </a:lnRef>
+          <a:fillRef idx="1">
+            <a:schemeClr val="lt1"/>
+          </a:fillRef>
+          <a:effectRef idx="0">
+            <a:schemeClr val="dk1"/>
+          </a:effectRef>
+          <a:fontRef idx="minor">
+            <a:schemeClr val="dk1"/>
+          </a:fontRef>
+        </p:style>
+        <p:txBody>
+          <a:bodyPr rtlCol="0" anchor="ctr"/>
+          <a:lstStyle/>
+          <a:p>
+            <a:pPr algn="ctr"/>
+            <a:r>
+              <a:rPr lang="en-US" dirty="0" smtClean="0"/>
+              <a:t>Vector Database</a:t>
+            </a:r>
+            <a:endParaRPr lang="en-US" dirty="0"/>
+          </a:p>
+        </p:txBody>
+      </p:sp>
+      <p:sp>
+        <p:nvSpPr>
+          <p:cNvPr id="10" name="Rectangle 9"/>
+          <p:cNvSpPr/>
+          <p:nvPr/>
+        </p:nvSpPr>
+        <p:spPr>
+          <a:xfrm>
+            <a:off x="1619672" y="3568388"/>
+            <a:ext cx="1584177" cy="652700"/>
+          </a:xfrm>
+          <a:prstGeom prst="rect">
+            <a:avLst/>
+          </a:prstGeom>
+        </p:spPr>
+        <p:style>
+          <a:lnRef idx="2">
+            <a:schemeClr val="dk1"/>
+          </a:lnRef>
+          <a:fillRef idx="1">
+            <a:schemeClr val="lt1"/>
+          </a:fillRef>
+          <a:effectRef idx="0">
+            <a:schemeClr val="dk1"/>
+          </a:effectRef>
+          <a:fontRef idx="minor">
+            <a:schemeClr val="dk1"/>
+          </a:fontRef>
+        </p:style>
+        <p:txBody>
+          <a:bodyPr rtlCol="0" anchor="ctr"/>
+          <a:lstStyle/>
+          <a:p>
+            <a:pPr algn="ctr"/>
+            <a:r>
+              <a:rPr lang="en-US" dirty="0" smtClean="0"/>
+              <a:t>Embedding Model</a:t>
+            </a:r>
+            <a:endParaRPr lang="en-US" dirty="0"/>
+          </a:p>
+        </p:txBody>
+      </p:sp>
+      <p:sp>
+        <p:nvSpPr>
+          <p:cNvPr id="9" name="Smiley Face 8"/>
+          <p:cNvSpPr/>
+          <p:nvPr/>
+        </p:nvSpPr>
+        <p:spPr>
+          <a:xfrm>
+            <a:off x="292328" y="3553263"/>
+            <a:ext cx="679272" cy="681560"/>
+          </a:xfrm>
+          <a:prstGeom prst="smileyFace">
+            <a:avLst/>
+          </a:prstGeom>
+        </p:spPr>
+        <p:style>
+          <a:lnRef idx="2">
+            <a:schemeClr val="dk1"/>
+          </a:lnRef>
+          <a:fillRef idx="1">
+            <a:schemeClr val="lt1"/>
+          </a:fillRef>
+          <a:effectRef idx="0">
+            <a:schemeClr val="dk1"/>
+          </a:effectRef>
+          <a:fontRef idx="minor">
+            <a:schemeClr val="dk1"/>
+          </a:fontRef>
+        </p:style>
+        <p:txBody>
+          <a:bodyPr rot="0" spcFirstLastPara="0" vertOverflow="overflow" horzOverflow="overflow" vert="horz" wrap="square" lIns="91440" tIns="45720" rIns="91440" bIns="45720" numCol="1" spcCol="0" rtlCol="0" fromWordArt="0" anchor="ctr" anchorCtr="0" forceAA="0" compatLnSpc="1">
+            <a:prstTxWarp prst="textNoShape">
+              <a:avLst/>
+            </a:prstTxWarp>
+            <a:noAutofit/>
+          </a:bodyPr>
+          <a:lstStyle/>
+          <a:p>
+            <a:pPr algn="ctr"/>
+            <a:endParaRPr lang="en-US"/>
+          </a:p>
+        </p:txBody>
+      </p:sp>
+      <p:sp>
+        <p:nvSpPr>
+          <p:cNvPr id="11" name="Flowchart: Alternate Process 10"/>
+          <p:cNvSpPr/>
+          <p:nvPr/>
+        </p:nvSpPr>
+        <p:spPr>
+          <a:xfrm>
+            <a:off x="6876256" y="3466933"/>
+            <a:ext cx="1584176" cy="854220"/>
+          </a:xfrm>
+          <a:prstGeom prst="flowChartAlternateProcess">
+            <a:avLst/>
+          </a:prstGeom>
+        </p:spPr>
+        <p:style>
+          <a:lnRef idx="2">
+            <a:schemeClr val="dk1"/>
+          </a:lnRef>
+          <a:fillRef idx="1">
+            <a:schemeClr val="lt1"/>
+          </a:fillRef>
+          <a:effectRef idx="0">
+            <a:schemeClr val="dk1"/>
+          </a:effectRef>
+          <a:fontRef idx="minor">
+            <a:schemeClr val="dk1"/>
+          </a:fontRef>
+        </p:style>
+        <p:txBody>
+          <a:bodyPr rot="0" spcFirstLastPara="0" vertOverflow="overflow" horzOverflow="overflow" vert="horz" wrap="square" lIns="91440" tIns="45720" rIns="91440" bIns="45720" numCol="1" spcCol="0" rtlCol="0" fromWordArt="0" anchor="ctr" anchorCtr="0" forceAA="0" compatLnSpc="1">
+            <a:prstTxWarp prst="textNoShape">
+              <a:avLst/>
+            </a:prstTxWarp>
+            <a:noAutofit/>
+          </a:bodyPr>
+          <a:lstStyle/>
+          <a:p>
+            <a:pPr algn="ctr"/>
+            <a:r>
+              <a:rPr lang="en-US" dirty="0" smtClean="0"/>
+              <a:t>Large Language Model</a:t>
+            </a:r>
+            <a:endParaRPr lang="en-US" dirty="0"/>
+          </a:p>
+        </p:txBody>
+      </p:sp>
+      <p:sp>
+        <p:nvSpPr>
+          <p:cNvPr id="15" name="Oval Callout 14"/>
+          <p:cNvSpPr/>
+          <p:nvPr/>
+        </p:nvSpPr>
+        <p:spPr>
+          <a:xfrm>
+            <a:off x="6588224" y="1776039"/>
+            <a:ext cx="2160240" cy="1035270"/>
+          </a:xfrm>
+          <a:prstGeom prst="wedgeEllipseCallout">
+            <a:avLst/>
+          </a:prstGeom>
+        </p:spPr>
+        <p:style>
+          <a:lnRef idx="2">
+            <a:schemeClr val="dk1"/>
+          </a:lnRef>
+          <a:fillRef idx="1">
+            <a:schemeClr val="lt1"/>
+          </a:fillRef>
+          <a:effectRef idx="0">
+            <a:schemeClr val="dk1"/>
+          </a:effectRef>
+          <a:fontRef idx="minor">
+            <a:schemeClr val="dk1"/>
+          </a:fontRef>
+        </p:style>
+        <p:txBody>
+          <a:bodyPr rot="0" spcFirstLastPara="0" vertOverflow="overflow" horzOverflow="overflow" vert="horz" wrap="square" lIns="91440" tIns="45720" rIns="91440" bIns="45720" numCol="1" spcCol="0" rtlCol="0" fromWordArt="0" anchor="ctr" anchorCtr="0" forceAA="0" compatLnSpc="1">
+            <a:prstTxWarp prst="textNoShape">
+              <a:avLst/>
+            </a:prstTxWarp>
+            <a:noAutofit/>
+          </a:bodyPr>
+          <a:lstStyle/>
+          <a:p>
+            <a:pPr algn="ctr"/>
+            <a:r>
+              <a:rPr lang="en-US" sz="1200" dirty="0" smtClean="0"/>
+              <a:t>Base on the info, dental claim is $7,000</a:t>
+            </a:r>
+            <a:endParaRPr lang="en-US" sz="1200" dirty="0"/>
+          </a:p>
+        </p:txBody>
+      </p:sp>
+      <p:cxnSp>
+        <p:nvCxnSpPr>
+          <p:cNvPr id="17" name="Straight Arrow Connector 16"/>
+          <p:cNvCxnSpPr>
+            <a:stCxn id="9" idx="6"/>
+            <a:endCxn id="10" idx="1"/>
+          </p:cNvCxnSpPr>
+          <p:nvPr/>
+        </p:nvCxnSpPr>
+        <p:spPr>
+          <a:xfrm>
+            <a:off x="971600" y="3894043"/>
+            <a:ext cx="648072" cy="695"/>
+          </a:xfrm>
+          <a:prstGeom prst="straightConnector1">
+            <a:avLst/>
+          </a:prstGeom>
+          <a:ln w="9525" cap="flat" cmpd="sng" algn="ctr">
+            <a:solidFill>
+              <a:schemeClr val="dk1"/>
+            </a:solidFill>
+            <a:prstDash val="solid"/>
+            <a:round/>
+            <a:headEnd type="none" w="med" len="med"/>
+            <a:tailEnd type="arrow" w="med" len="med"/>
+          </a:ln>
+        </p:spPr>
+        <p:style>
+          <a:lnRef idx="0">
+            <a:scrgbClr r="0" g="0" b="0"/>
+          </a:lnRef>
+          <a:fillRef idx="0">
+            <a:scrgbClr r="0" g="0" b="0"/>
+          </a:fillRef>
+          <a:effectRef idx="0">
+            <a:scrgbClr r="0" g="0" b="0"/>
+          </a:effectRef>
+          <a:fontRef idx="minor">
+            <a:schemeClr val="tx1"/>
+          </a:fontRef>
+        </p:style>
+      </p:cxnSp>
+      <p:cxnSp>
+        <p:nvCxnSpPr>
+          <p:cNvPr id="22" name="Straight Arrow Connector 21"/>
+          <p:cNvCxnSpPr>
+            <a:stCxn id="10" idx="3"/>
+            <a:endCxn id="8" idx="2"/>
+          </p:cNvCxnSpPr>
+          <p:nvPr/>
+        </p:nvCxnSpPr>
+        <p:spPr>
+          <a:xfrm>
+            <a:off x="3203849" y="3894738"/>
+            <a:ext cx="720078" cy="2314"/>
+          </a:xfrm>
+          <a:prstGeom prst="straightConnector1">
+            <a:avLst/>
+          </a:prstGeom>
+          <a:ln w="9525" cap="flat" cmpd="sng" algn="ctr">
+            <a:solidFill>
+              <a:schemeClr val="dk1"/>
+            </a:solidFill>
+            <a:prstDash val="solid"/>
+            <a:round/>
+            <a:headEnd type="none" w="med" len="med"/>
+            <a:tailEnd type="arrow" w="med" len="med"/>
+          </a:ln>
+        </p:spPr>
+        <p:style>
+          <a:lnRef idx="0">
+            <a:scrgbClr r="0" g="0" b="0"/>
+          </a:lnRef>
+          <a:fillRef idx="0">
+            <a:scrgbClr r="0" g="0" b="0"/>
+          </a:fillRef>
+          <a:effectRef idx="0">
+            <a:scrgbClr r="0" g="0" b="0"/>
+          </a:effectRef>
+          <a:fontRef idx="minor">
+            <a:schemeClr val="tx1"/>
+          </a:fontRef>
+        </p:style>
+      </p:cxnSp>
+      <p:cxnSp>
+        <p:nvCxnSpPr>
+          <p:cNvPr id="27" name="Straight Arrow Connector 26"/>
+          <p:cNvCxnSpPr>
+            <a:stCxn id="8" idx="4"/>
+            <a:endCxn id="11" idx="1"/>
+          </p:cNvCxnSpPr>
+          <p:nvPr/>
+        </p:nvCxnSpPr>
+        <p:spPr>
+          <a:xfrm flipV="1">
+            <a:off x="5172356" y="3894043"/>
+            <a:ext cx="1703900" cy="3009"/>
+          </a:xfrm>
+          <a:prstGeom prst="straightConnector1">
+            <a:avLst/>
+          </a:prstGeom>
+          <a:ln w="9525" cap="flat" cmpd="sng" algn="ctr">
+            <a:solidFill>
+              <a:schemeClr val="dk1"/>
+            </a:solidFill>
+            <a:prstDash val="solid"/>
+            <a:round/>
+            <a:headEnd type="none" w="med" len="med"/>
+            <a:tailEnd type="arrow" w="med" len="med"/>
+          </a:ln>
+        </p:spPr>
+        <p:style>
+          <a:lnRef idx="0">
+            <a:scrgbClr r="0" g="0" b="0"/>
+          </a:lnRef>
+          <a:fillRef idx="0">
+            <a:scrgbClr r="0" g="0" b="0"/>
+          </a:fillRef>
+          <a:effectRef idx="0">
+            <a:scrgbClr r="0" g="0" b="0"/>
+          </a:effectRef>
+          <a:fontRef idx="minor">
+            <a:schemeClr val="tx1"/>
+          </a:fontRef>
+        </p:style>
+      </p:cxnSp>
+      <p:cxnSp>
+        <p:nvCxnSpPr>
+          <p:cNvPr id="29" name="Straight Arrow Connector 28"/>
+          <p:cNvCxnSpPr>
+            <a:stCxn id="4" idx="3"/>
+            <a:endCxn id="6" idx="1"/>
+          </p:cNvCxnSpPr>
+          <p:nvPr/>
+        </p:nvCxnSpPr>
+        <p:spPr>
+          <a:xfrm flipV="1">
+            <a:off x="1600256" y="5838954"/>
+            <a:ext cx="2107648" cy="18882"/>
+          </a:xfrm>
+          <a:prstGeom prst="straightConnector1">
+            <a:avLst/>
+          </a:prstGeom>
+          <a:ln w="9525" cap="flat" cmpd="sng" algn="ctr">
+            <a:solidFill>
+              <a:schemeClr val="dk1"/>
+            </a:solidFill>
+            <a:prstDash val="solid"/>
+            <a:round/>
+            <a:headEnd type="none" w="med" len="med"/>
+            <a:tailEnd type="arrow" w="med" len="med"/>
+          </a:ln>
+        </p:spPr>
+        <p:style>
+          <a:lnRef idx="0">
+            <a:scrgbClr r="0" g="0" b="0"/>
+          </a:lnRef>
+          <a:fillRef idx="0">
+            <a:scrgbClr r="0" g="0" b="0"/>
+          </a:fillRef>
+          <a:effectRef idx="0">
+            <a:scrgbClr r="0" g="0" b="0"/>
+          </a:effectRef>
+          <a:fontRef idx="minor">
+            <a:schemeClr val="tx1"/>
+          </a:fontRef>
+        </p:style>
+      </p:cxnSp>
+      <p:cxnSp>
+        <p:nvCxnSpPr>
+          <p:cNvPr id="37" name="Straight Arrow Connector 36"/>
+          <p:cNvCxnSpPr>
+            <a:stCxn id="6" idx="0"/>
+            <a:endCxn id="8" idx="3"/>
+          </p:cNvCxnSpPr>
+          <p:nvPr/>
+        </p:nvCxnSpPr>
+        <p:spPr>
+          <a:xfrm flipV="1">
+            <a:off x="4535997" y="4653136"/>
+            <a:ext cx="12145" cy="859468"/>
+          </a:xfrm>
+          <a:prstGeom prst="straightConnector1">
+            <a:avLst/>
+          </a:prstGeom>
+          <a:ln>
+            <a:tailEnd type="triangle"/>
+          </a:ln>
+        </p:spPr>
+        <p:style>
+          <a:lnRef idx="1">
+            <a:schemeClr val="accent1"/>
+          </a:lnRef>
+          <a:fillRef idx="0">
+            <a:schemeClr val="accent1"/>
+          </a:fillRef>
+          <a:effectRef idx="0">
+            <a:schemeClr val="accent1"/>
+          </a:effectRef>
+          <a:fontRef idx="minor">
+            <a:schemeClr val="tx1"/>
+          </a:fontRef>
+        </p:style>
+      </p:cxnSp>
+      <p:cxnSp>
+        <p:nvCxnSpPr>
+          <p:cNvPr id="41" name="Straight Arrow Connector 40"/>
+          <p:cNvCxnSpPr>
+            <a:stCxn id="11" idx="0"/>
+            <a:endCxn id="15" idx="4"/>
+          </p:cNvCxnSpPr>
+          <p:nvPr/>
+        </p:nvCxnSpPr>
+        <p:spPr>
+          <a:xfrm flipV="1">
+            <a:off x="7668344" y="2811309"/>
+            <a:ext cx="0" cy="655624"/>
+          </a:xfrm>
+          <a:prstGeom prst="straightConnector1">
+            <a:avLst/>
+          </a:prstGeom>
+          <a:ln>
+            <a:tailEnd type="triangle"/>
+          </a:ln>
+        </p:spPr>
+        <p:style>
+          <a:lnRef idx="1">
+            <a:schemeClr val="accent1"/>
+          </a:lnRef>
+          <a:fillRef idx="0">
+            <a:schemeClr val="accent1"/>
+          </a:fillRef>
+          <a:effectRef idx="0">
+            <a:schemeClr val="accent1"/>
+          </a:effectRef>
+          <a:fontRef idx="minor">
+            <a:schemeClr val="tx1"/>
+          </a:fontRef>
+        </p:style>
+      </p:cxnSp>
+      <p:sp>
+        <p:nvSpPr>
+          <p:cNvPr id="42" name="TextBox 41"/>
           <p:cNvSpPr txBox="1"/>
           <p:nvPr/>
         </p:nvSpPr>
         <p:spPr>
           <a:xfrm>
-            <a:off x="1615990" y="4509120"/>
-            <a:ext cx="4903907" cy="461665"/>
+            <a:off x="63217" y="2999310"/>
+            <a:ext cx="1766830" cy="523220"/>
           </a:xfrm>
           <a:prstGeom prst="rect">
             <a:avLst/>
@@ -5989,62 +6530,178 @@
           <a:lstStyle/>
           <a:p>
             <a:r>
-              <a:rPr lang="zh-TW" altLang="en-US" dirty="0">
-                <a:solidFill>
-                  <a:schemeClr val="bg1"/>
-                </a:solidFill>
-              </a:rPr>
-              <a:t>爭咩呀，溝埋黎做懶尿牛丸呀，笨！</a:t>
-            </a:r>
-            <a:endParaRPr lang="en-US" dirty="0">
-              <a:solidFill>
-                <a:schemeClr val="bg1"/>
-              </a:solidFill>
-            </a:endParaRPr>
-          </a:p>
-        </p:txBody>
-      </p:sp>
-      <p:pic>
-        <p:nvPicPr>
-          <p:cNvPr id="2050" name="Picture 2" descr="https://gradientflow.com/wp-content/uploads/2023/10/newsletter87-RAG-simple.png"/>
-          <p:cNvPicPr>
-            <a:picLocks noChangeAspect="1" noChangeArrowheads="1"/>
-          </p:cNvPicPr>
+              <a:rPr lang="en-US" sz="1400" b="1" u="sng" dirty="0" smtClean="0"/>
+              <a:t>Query</a:t>
+            </a:r>
+            <a:br>
+              <a:rPr lang="en-US" sz="1400" b="1" u="sng" dirty="0" smtClean="0"/>
+            </a:br>
+            <a:r>
+              <a:rPr lang="en-US" sz="1400" dirty="0" smtClean="0"/>
+              <a:t>how much is dental</a:t>
+            </a:r>
+            <a:endParaRPr lang="en-US" sz="1400" dirty="0"/>
+          </a:p>
+        </p:txBody>
+      </p:sp>
+      <p:sp>
+        <p:nvSpPr>
+          <p:cNvPr id="43" name="TextBox 42"/>
+          <p:cNvSpPr txBox="1"/>
           <p:nvPr/>
-        </p:nvPicPr>
-        <p:blipFill>
-          <a:blip r:embed="rId2">
-            <a:extLst>
-              <a:ext uri="{28A0092B-C50C-407E-A947-70E740481C1C}">
-                <a14:useLocalDpi xmlns:a14="http://schemas.microsoft.com/office/drawing/2010/main" val="0"/>
-              </a:ext>
-            </a:extLst>
-          </a:blip>
-          <a:srcRect/>
-          <a:stretch>
-            <a:fillRect/>
-          </a:stretch>
-        </p:blipFill>
-        <p:spPr bwMode="auto">
+        </p:nvSpPr>
+        <p:spPr>
           <a:xfrm>
-            <a:off x="611560" y="1750297"/>
-            <a:ext cx="7844885" cy="4581541"/>
+            <a:off x="4581759" y="4929060"/>
+            <a:ext cx="782330" cy="307777"/>
           </a:xfrm>
           <a:prstGeom prst="rect">
             <a:avLst/>
           </a:prstGeom>
           <a:noFill/>
-          <a:extLst>
-            <a:ext uri="{909E8E84-426E-40DD-AFC4-6F175D3DCCD1}">
-              <a14:hiddenFill xmlns:a14="http://schemas.microsoft.com/office/drawing/2010/main">
-                <a:solidFill>
-                  <a:srgbClr val="FFFFFF"/>
-                </a:solidFill>
-              </a14:hiddenFill>
-            </a:ext>
-          </a:extLst>
         </p:spPr>
-      </p:pic>
+        <p:txBody>
+          <a:bodyPr wrap="none" rtlCol="0">
+            <a:spAutoFit/>
+          </a:bodyPr>
+          <a:lstStyle/>
+          <a:p>
+            <a:r>
+              <a:rPr lang="en-US" sz="1400" dirty="0" smtClean="0"/>
+              <a:t>Vectors</a:t>
+            </a:r>
+            <a:endParaRPr lang="en-US" sz="1400" dirty="0"/>
+          </a:p>
+        </p:txBody>
+      </p:sp>
+      <p:sp>
+        <p:nvSpPr>
+          <p:cNvPr id="45" name="TextBox 44"/>
+          <p:cNvSpPr txBox="1"/>
+          <p:nvPr/>
+        </p:nvSpPr>
+        <p:spPr>
+          <a:xfrm>
+            <a:off x="5220072" y="2887289"/>
+            <a:ext cx="1717137" cy="954107"/>
+          </a:xfrm>
+          <a:prstGeom prst="rect">
+            <a:avLst/>
+          </a:prstGeom>
+          <a:noFill/>
+        </p:spPr>
+        <p:txBody>
+          <a:bodyPr wrap="none" rtlCol="0">
+            <a:spAutoFit/>
+          </a:bodyPr>
+          <a:lstStyle/>
+          <a:p>
+            <a:r>
+              <a:rPr lang="en-US" sz="1400" b="1" u="sng" dirty="0" smtClean="0"/>
+              <a:t>Query</a:t>
+            </a:r>
+            <a:br>
+              <a:rPr lang="en-US" sz="1400" b="1" u="sng" dirty="0" smtClean="0"/>
+            </a:br>
+            <a:r>
+              <a:rPr lang="en-US" sz="1400" dirty="0" smtClean="0"/>
+              <a:t>how much is dental</a:t>
+            </a:r>
+            <a:br>
+              <a:rPr lang="en-US" sz="1400" dirty="0" smtClean="0"/>
+            </a:br>
+            <a:r>
+              <a:rPr lang="en-US" sz="1400" b="1" u="sng" dirty="0" smtClean="0"/>
+              <a:t>Content</a:t>
+            </a:r>
+            <a:br>
+              <a:rPr lang="en-US" sz="1400" b="1" u="sng" dirty="0" smtClean="0"/>
+            </a:br>
+            <a:r>
+              <a:rPr lang="en-US" sz="1400" dirty="0" smtClean="0"/>
+              <a:t>dental claim $7000</a:t>
+            </a:r>
+            <a:endParaRPr lang="en-US" sz="1400" dirty="0"/>
+          </a:p>
+        </p:txBody>
+      </p:sp>
+      <p:sp>
+        <p:nvSpPr>
+          <p:cNvPr id="46" name="TextBox 45"/>
+          <p:cNvSpPr txBox="1"/>
+          <p:nvPr/>
+        </p:nvSpPr>
+        <p:spPr>
+          <a:xfrm>
+            <a:off x="1719322" y="5100290"/>
+            <a:ext cx="1816523" cy="738664"/>
+          </a:xfrm>
+          <a:prstGeom prst="rect">
+            <a:avLst/>
+          </a:prstGeom>
+          <a:noFill/>
+        </p:spPr>
+        <p:txBody>
+          <a:bodyPr wrap="none" rtlCol="0">
+            <a:spAutoFit/>
+          </a:bodyPr>
+          <a:lstStyle/>
+          <a:p>
+            <a:r>
+              <a:rPr lang="en-US" sz="1400" b="1" u="sng" dirty="0" smtClean="0"/>
+              <a:t>Documents</a:t>
+            </a:r>
+            <a:r>
+              <a:rPr lang="en-US" sz="1400" dirty="0" smtClean="0"/>
+              <a:t/>
+            </a:r>
+            <a:br>
+              <a:rPr lang="en-US" sz="1400" dirty="0" smtClean="0"/>
+            </a:br>
+            <a:r>
+              <a:rPr lang="en-US" sz="1400" dirty="0" smtClean="0"/>
+              <a:t>Dental claim $7000</a:t>
+            </a:r>
+            <a:br>
+              <a:rPr lang="en-US" sz="1400" dirty="0" smtClean="0"/>
+            </a:br>
+            <a:r>
+              <a:rPr lang="en-US" sz="1400" dirty="0" smtClean="0"/>
+              <a:t>Outpatient $650……</a:t>
+            </a:r>
+          </a:p>
+        </p:txBody>
+      </p:sp>
+      <p:sp>
+        <p:nvSpPr>
+          <p:cNvPr id="48" name="TextBox 47"/>
+          <p:cNvSpPr txBox="1"/>
+          <p:nvPr/>
+        </p:nvSpPr>
+        <p:spPr>
+          <a:xfrm>
+            <a:off x="3194791" y="3553271"/>
+            <a:ext cx="782330" cy="307777"/>
+          </a:xfrm>
+          <a:prstGeom prst="rect">
+            <a:avLst/>
+          </a:prstGeom>
+          <a:noFill/>
+        </p:spPr>
+        <p:txBody>
+          <a:bodyPr wrap="none" rtlCol="0">
+            <a:spAutoFit/>
+          </a:bodyPr>
+          <a:lstStyle/>
+          <a:p>
+            <a:r>
+              <a:rPr lang="en-US" sz="1400" dirty="0" smtClean="0"/>
+              <a:t>Vectors</a:t>
+            </a:r>
+            <a:endParaRPr lang="en-US" sz="1400" dirty="0"/>
+          </a:p>
+        </p:txBody>
+      </p:sp>
     </p:spTree>
     <p:extLst>
       <p:ext uri="{BB962C8B-B14F-4D97-AF65-F5344CB8AC3E}">
@@ -12819,7 +13476,31 @@
       </a:bgFillStyleLst>
     </a:fmtScheme>
   </a:themeElements>
-  <a:objectDefaults/>
+  <a:objectDefaults>
+    <a:spDef>
+      <a:spPr/>
+      <a:bodyPr rtlCol="0" anchor="ctr"/>
+      <a:lstStyle>
+        <a:defPPr algn="ctr">
+          <a:defRPr/>
+        </a:defPPr>
+      </a:lstStyle>
+      <a:style>
+        <a:lnRef idx="2">
+          <a:schemeClr val="dk1"/>
+        </a:lnRef>
+        <a:fillRef idx="1">
+          <a:schemeClr val="lt1"/>
+        </a:fillRef>
+        <a:effectRef idx="0">
+          <a:schemeClr val="dk1"/>
+        </a:effectRef>
+        <a:fontRef idx="minor">
+          <a:schemeClr val="dk1"/>
+        </a:fontRef>
+      </a:style>
+    </a:spDef>
+  </a:objectDefaults>
   <a:extraClrSchemeLst/>
 </a:theme>
 </file>
